--- a/bishops/cs321/resources/CS321_Lecture_13C.pptx
+++ b/bishops/cs321/resources/CS321_Lecture_13C.pptx
@@ -127,7 +127,7 @@
   </p:defaultTextStyle>
   <p:extLst>
     <p:ext uri="{EFAFB233-063F-42B5-8137-9DF3F51BA10A}">
-      <p15:sldGuideLst xmlns:p15="http://schemas.microsoft.com/office/powerpoint/2012/main"/>
+      <p15:sldGuideLst xmlns:p15="http://schemas.microsoft.com/office/powerpoint/2012/main" xmlns=""/>
     </p:ext>
   </p:extLst>
 </p:presentation>
@@ -138,7 +138,7 @@
   <p:cmAuthor id="1" name="Gregory" initials="G" lastIdx="1" clrIdx="0">
     <p:extLst>
       <p:ext uri="{19B8F6BF-5375-455C-9EA6-DF929625EA0E}">
-        <p15:presenceInfo xmlns:p15="http://schemas.microsoft.com/office/powerpoint/2012/main" userId="Gregory" providerId="None"/>
+        <p15:presenceInfo xmlns:p15="http://schemas.microsoft.com/office/powerpoint/2012/main" xmlns="" userId="Gregory" providerId="None"/>
       </p:ext>
     </p:extLst>
   </p:cmAuthor>
@@ -227,7 +227,8 @@
           <a:p>
             <a:fld id="{A6583E9D-07AB-4C6D-BFD0-47E805C6B3D4}" type="datetimeFigureOut">
               <a:rPr lang="en-CA" smtClean="0"/>
-              <a:t>2022-03-02</a:t>
+              <a:pPr/>
+              <a:t>2024-03-08</a:t>
             </a:fld>
             <a:endParaRPr lang="en-CA"/>
           </a:p>
@@ -386,6 +387,7 @@
           <a:p>
             <a:fld id="{8F20841C-25C9-4C0C-A7FA-C4A363D14F5A}" type="slidenum">
               <a:rPr lang="en-CA" smtClean="0"/>
+              <a:pPr/>
               <a:t>‹#›</a:t>
             </a:fld>
             <a:endParaRPr lang="en-CA"/>
@@ -395,7 +397,7 @@
     </p:spTree>
     <p:extLst>
       <p:ext uri="{BB962C8B-B14F-4D97-AF65-F5344CB8AC3E}">
-        <p14:creationId xmlns:p14="http://schemas.microsoft.com/office/powerpoint/2010/main" val="4237529172"/>
+        <p14:creationId xmlns:p14="http://schemas.microsoft.com/office/powerpoint/2010/main" xmlns="" val="4237529172"/>
       </p:ext>
     </p:extLst>
   </p:cSld>
@@ -568,6 +570,7 @@
           <a:p>
             <a:fld id="{8F20841C-25C9-4C0C-A7FA-C4A363D14F5A}" type="slidenum">
               <a:rPr lang="en-CA" smtClean="0"/>
+              <a:pPr/>
               <a:t>1</a:t>
             </a:fld>
             <a:endParaRPr lang="en-CA"/>
@@ -577,7 +580,7 @@
     </p:spTree>
     <p:extLst>
       <p:ext uri="{BB962C8B-B14F-4D97-AF65-F5344CB8AC3E}">
-        <p14:creationId xmlns:p14="http://schemas.microsoft.com/office/powerpoint/2010/main" val="2340334442"/>
+        <p14:creationId xmlns:p14="http://schemas.microsoft.com/office/powerpoint/2010/main" xmlns="" val="2340334442"/>
       </p:ext>
     </p:extLst>
   </p:cSld>
@@ -771,6 +774,7 @@
           <a:p>
             <a:fld id="{5174927E-2439-42C0-9720-7BBCA09BF46F}" type="slidenum">
               <a:rPr lang="en-CA" smtClean="0"/>
+              <a:pPr/>
               <a:t>‹#›</a:t>
             </a:fld>
             <a:endParaRPr lang="en-CA"/>
@@ -780,7 +784,7 @@
     </p:spTree>
     <p:extLst>
       <p:ext uri="{BB962C8B-B14F-4D97-AF65-F5344CB8AC3E}">
-        <p14:creationId xmlns:p14="http://schemas.microsoft.com/office/powerpoint/2010/main" val="1900560834"/>
+        <p14:creationId xmlns:p14="http://schemas.microsoft.com/office/powerpoint/2010/main" xmlns="" val="1900560834"/>
       </p:ext>
     </p:extLst>
   </p:cSld>
@@ -944,6 +948,7 @@
           <a:p>
             <a:fld id="{5174927E-2439-42C0-9720-7BBCA09BF46F}" type="slidenum">
               <a:rPr lang="en-CA" smtClean="0"/>
+              <a:pPr/>
               <a:t>‹#›</a:t>
             </a:fld>
             <a:endParaRPr lang="en-CA"/>
@@ -953,7 +958,7 @@
     </p:spTree>
     <p:extLst>
       <p:ext uri="{BB962C8B-B14F-4D97-AF65-F5344CB8AC3E}">
-        <p14:creationId xmlns:p14="http://schemas.microsoft.com/office/powerpoint/2010/main" val="3722958745"/>
+        <p14:creationId xmlns:p14="http://schemas.microsoft.com/office/powerpoint/2010/main" xmlns="" val="3722958745"/>
       </p:ext>
     </p:extLst>
   </p:cSld>
@@ -1189,7 +1194,7 @@
     </p:spTree>
     <p:extLst>
       <p:ext uri="{BB962C8B-B14F-4D97-AF65-F5344CB8AC3E}">
-        <p14:creationId xmlns:p14="http://schemas.microsoft.com/office/powerpoint/2010/main" val="1822376042"/>
+        <p14:creationId xmlns:p14="http://schemas.microsoft.com/office/powerpoint/2010/main" xmlns="" val="1822376042"/>
       </p:ext>
     </p:extLst>
   </p:cSld>
@@ -1429,6 +1434,7 @@
           <a:p>
             <a:fld id="{5174927E-2439-42C0-9720-7BBCA09BF46F}" type="slidenum">
               <a:rPr lang="en-CA" smtClean="0"/>
+              <a:pPr/>
               <a:t>‹#›</a:t>
             </a:fld>
             <a:endParaRPr lang="en-CA"/>
@@ -1438,7 +1444,7 @@
     </p:spTree>
     <p:extLst>
       <p:ext uri="{BB962C8B-B14F-4D97-AF65-F5344CB8AC3E}">
-        <p14:creationId xmlns:p14="http://schemas.microsoft.com/office/powerpoint/2010/main" val="3411672561"/>
+        <p14:creationId xmlns:p14="http://schemas.microsoft.com/office/powerpoint/2010/main" xmlns="" val="3411672561"/>
       </p:ext>
     </p:extLst>
   </p:cSld>
@@ -1664,6 +1670,7 @@
           <a:p>
             <a:fld id="{5174927E-2439-42C0-9720-7BBCA09BF46F}" type="slidenum">
               <a:rPr lang="en-CA" smtClean="0"/>
+              <a:pPr/>
               <a:t>‹#›</a:t>
             </a:fld>
             <a:endParaRPr lang="en-CA"/>
@@ -1673,7 +1680,7 @@
     </p:spTree>
     <p:extLst>
       <p:ext uri="{BB962C8B-B14F-4D97-AF65-F5344CB8AC3E}">
-        <p14:creationId xmlns:p14="http://schemas.microsoft.com/office/powerpoint/2010/main" val="1093008526"/>
+        <p14:creationId xmlns:p14="http://schemas.microsoft.com/office/powerpoint/2010/main" xmlns="" val="1093008526"/>
       </p:ext>
     </p:extLst>
   </p:cSld>
@@ -2034,6 +2041,7 @@
           <a:p>
             <a:fld id="{5174927E-2439-42C0-9720-7BBCA09BF46F}" type="slidenum">
               <a:rPr lang="en-CA" smtClean="0"/>
+              <a:pPr/>
               <a:t>‹#›</a:t>
             </a:fld>
             <a:endParaRPr lang="en-CA"/>
@@ -2043,7 +2051,7 @@
     </p:spTree>
     <p:extLst>
       <p:ext uri="{BB962C8B-B14F-4D97-AF65-F5344CB8AC3E}">
-        <p14:creationId xmlns:p14="http://schemas.microsoft.com/office/powerpoint/2010/main" val="1087924878"/>
+        <p14:creationId xmlns:p14="http://schemas.microsoft.com/office/powerpoint/2010/main" xmlns="" val="1087924878"/>
       </p:ext>
     </p:extLst>
   </p:cSld>
@@ -2155,6 +2163,7 @@
           <a:p>
             <a:fld id="{5174927E-2439-42C0-9720-7BBCA09BF46F}" type="slidenum">
               <a:rPr lang="en-CA" smtClean="0"/>
+              <a:pPr/>
               <a:t>‹#›</a:t>
             </a:fld>
             <a:endParaRPr lang="en-CA"/>
@@ -2164,7 +2173,7 @@
     </p:spTree>
     <p:extLst>
       <p:ext uri="{BB962C8B-B14F-4D97-AF65-F5344CB8AC3E}">
-        <p14:creationId xmlns:p14="http://schemas.microsoft.com/office/powerpoint/2010/main" val="3802387408"/>
+        <p14:creationId xmlns:p14="http://schemas.microsoft.com/office/powerpoint/2010/main" xmlns="" val="3802387408"/>
       </p:ext>
     </p:extLst>
   </p:cSld>
@@ -2253,6 +2262,7 @@
           <a:p>
             <a:fld id="{5174927E-2439-42C0-9720-7BBCA09BF46F}" type="slidenum">
               <a:rPr lang="en-CA" smtClean="0"/>
+              <a:pPr/>
               <a:t>‹#›</a:t>
             </a:fld>
             <a:endParaRPr lang="en-CA"/>
@@ -2262,7 +2272,7 @@
     </p:spTree>
     <p:extLst>
       <p:ext uri="{BB962C8B-B14F-4D97-AF65-F5344CB8AC3E}">
-        <p14:creationId xmlns:p14="http://schemas.microsoft.com/office/powerpoint/2010/main" val="4234091411"/>
+        <p14:creationId xmlns:p14="http://schemas.microsoft.com/office/powerpoint/2010/main" xmlns="" val="4234091411"/>
       </p:ext>
     </p:extLst>
   </p:cSld>
@@ -2533,6 +2543,7 @@
           <a:p>
             <a:fld id="{5174927E-2439-42C0-9720-7BBCA09BF46F}" type="slidenum">
               <a:rPr lang="en-CA" smtClean="0"/>
+              <a:pPr/>
               <a:t>‹#›</a:t>
             </a:fld>
             <a:endParaRPr lang="en-CA"/>
@@ -2542,7 +2553,7 @@
     </p:spTree>
     <p:extLst>
       <p:ext uri="{BB962C8B-B14F-4D97-AF65-F5344CB8AC3E}">
-        <p14:creationId xmlns:p14="http://schemas.microsoft.com/office/powerpoint/2010/main" val="4189422420"/>
+        <p14:creationId xmlns:p14="http://schemas.microsoft.com/office/powerpoint/2010/main" xmlns="" val="4189422420"/>
       </p:ext>
     </p:extLst>
   </p:cSld>
@@ -2789,6 +2800,7 @@
           <a:p>
             <a:fld id="{5174927E-2439-42C0-9720-7BBCA09BF46F}" type="slidenum">
               <a:rPr lang="en-CA" smtClean="0"/>
+              <a:pPr/>
               <a:t>‹#›</a:t>
             </a:fld>
             <a:endParaRPr lang="en-CA"/>
@@ -2798,7 +2810,7 @@
     </p:spTree>
     <p:extLst>
       <p:ext uri="{BB962C8B-B14F-4D97-AF65-F5344CB8AC3E}">
-        <p14:creationId xmlns:p14="http://schemas.microsoft.com/office/powerpoint/2010/main" val="3252977898"/>
+        <p14:creationId xmlns:p14="http://schemas.microsoft.com/office/powerpoint/2010/main" xmlns="" val="3252977898"/>
       </p:ext>
     </p:extLst>
   </p:cSld>
@@ -3064,10 +3076,10 @@
           <p:nvPr userDrawn="1"/>
         </p:nvPicPr>
         <p:blipFill>
-          <a:blip r:embed="rId13">
+          <a:blip r:embed="rId13" cstate="print">
             <a:extLst>
               <a:ext uri="{28A0092B-C50C-407E-A947-70E740481C1C}">
-                <a14:useLocalDpi xmlns:a14="http://schemas.microsoft.com/office/drawing/2010/main" val="0"/>
+                <a14:useLocalDpi xmlns:a14="http://schemas.microsoft.com/office/drawing/2010/main" xmlns="" val="0"/>
               </a:ext>
             </a:extLst>
           </a:blip>
@@ -3088,7 +3100,7 @@
     </p:spTree>
     <p:extLst>
       <p:ext uri="{BB962C8B-B14F-4D97-AF65-F5344CB8AC3E}">
-        <p14:creationId xmlns:p14="http://schemas.microsoft.com/office/powerpoint/2010/main" val="4230061028"/>
+        <p14:creationId xmlns:p14="http://schemas.microsoft.com/office/powerpoint/2010/main" xmlns="" val="4230061028"/>
       </p:ext>
     </p:extLst>
   </p:cSld>
@@ -3531,12 +3543,6 @@
             <a:endParaRPr lang="en-CA" baseline="30000" dirty="0"/>
           </a:p>
           <a:p>
-            <a:r>
-              <a:rPr lang="en-CA" dirty="0"/>
-              <a:t>Date: January 31, 2022</a:t>
-            </a:r>
-          </a:p>
-          <a:p>
             <a:endParaRPr lang="en-CA" dirty="0"/>
           </a:p>
         </p:txBody>
@@ -3546,7 +3552,7 @@
           <p:cNvPr id="13" name="Picture 8" descr="http://osiris.ubishops.ca/~alussier/images/transparentlogo_bu.png">
             <a:extLst>
               <a:ext uri="{FF2B5EF4-FFF2-40B4-BE49-F238E27FC236}">
-                <a16:creationId xmlns:a16="http://schemas.microsoft.com/office/drawing/2014/main" id="{CCB9A035-2F1C-4B96-A5DB-70B72D6E4AD8}"/>
+                <a16:creationId xmlns:a16="http://schemas.microsoft.com/office/drawing/2014/main" xmlns="" id="{CCB9A035-2F1C-4B96-A5DB-70B72D6E4AD8}"/>
               </a:ext>
             </a:extLst>
           </p:cNvPr>
@@ -3556,10 +3562,10 @@
           <p:nvPr/>
         </p:nvPicPr>
         <p:blipFill>
-          <a:blip r:embed="rId3">
+          <a:blip r:embed="rId3" cstate="print">
             <a:extLst>
               <a:ext uri="{28A0092B-C50C-407E-A947-70E740481C1C}">
-                <a14:useLocalDpi xmlns:a14="http://schemas.microsoft.com/office/drawing/2010/main" val="0"/>
+                <a14:useLocalDpi xmlns:a14="http://schemas.microsoft.com/office/drawing/2010/main" xmlns="" val="0"/>
               </a:ext>
             </a:extLst>
           </a:blip>
@@ -3579,7 +3585,7 @@
           <a:noFill/>
           <a:extLst>
             <a:ext uri="{909E8E84-426E-40DD-AFC4-6F175D3DCCD1}">
-              <a14:hiddenFill xmlns:a14="http://schemas.microsoft.com/office/drawing/2010/main">
+              <a14:hiddenFill xmlns:a14="http://schemas.microsoft.com/office/drawing/2010/main" xmlns="">
                 <a:solidFill>
                   <a:srgbClr val="FFFFFF"/>
                 </a:solidFill>
@@ -3591,7 +3597,7 @@
     </p:spTree>
     <p:extLst>
       <p:ext uri="{BB962C8B-B14F-4D97-AF65-F5344CB8AC3E}">
-        <p14:creationId xmlns:p14="http://schemas.microsoft.com/office/powerpoint/2010/main" val="4177077622"/>
+        <p14:creationId xmlns:p14="http://schemas.microsoft.com/office/powerpoint/2010/main" xmlns="" val="4177077622"/>
       </p:ext>
     </p:extLst>
   </p:cSld>
@@ -3689,28 +3695,6 @@
       </p:sp>
       <p:sp>
         <p:nvSpPr>
-          <p:cNvPr id="6" name="Date Placeholder 5"/>
-          <p:cNvSpPr>
-            <a:spLocks noGrp="1"/>
-          </p:cNvSpPr>
-          <p:nvPr>
-            <p:ph type="dt" sz="half" idx="2"/>
-          </p:nvPr>
-        </p:nvSpPr>
-        <p:spPr/>
-        <p:txBody>
-          <a:bodyPr/>
-          <a:lstStyle/>
-          <a:p>
-            <a:r>
-              <a:rPr lang="en-CA" dirty="0"/>
-              <a:t>Winter 2022</a:t>
-            </a:r>
-          </a:p>
-        </p:txBody>
-      </p:sp>
-      <p:sp>
-        <p:nvSpPr>
           <p:cNvPr id="10" name="Footer Placeholder 9"/>
           <p:cNvSpPr>
             <a:spLocks noGrp="1"/>
@@ -3763,7 +3747,7 @@
           <p:cNvPr id="7" name="Text Box 4">
             <a:extLst>
               <a:ext uri="{FF2B5EF4-FFF2-40B4-BE49-F238E27FC236}">
-                <a16:creationId xmlns:a16="http://schemas.microsoft.com/office/drawing/2014/main" id="{0ABFDB46-449F-4660-A421-F8A341138B49}"/>
+                <a16:creationId xmlns:a16="http://schemas.microsoft.com/office/drawing/2014/main" xmlns="" id="{0ABFDB46-449F-4660-A421-F8A341138B49}"/>
               </a:ext>
             </a:extLst>
           </p:cNvPr>
@@ -3788,7 +3772,7 @@
           </a:ln>
           <a:extLst>
             <a:ext uri="{91240B29-F687-4F45-9708-019B960494DF}">
-              <a14:hiddenLine xmlns:a14="http://schemas.microsoft.com/office/drawing/2010/main" w="9525">
+              <a14:hiddenLine xmlns:a14="http://schemas.microsoft.com/office/drawing/2010/main" xmlns="" w="9525">
                 <a:solidFill>
                   <a:srgbClr val="000000"/>
                 </a:solidFill>
@@ -4265,7 +4249,7 @@
           <p:cNvPr id="8" name="Text Box 5">
             <a:extLst>
               <a:ext uri="{FF2B5EF4-FFF2-40B4-BE49-F238E27FC236}">
-                <a16:creationId xmlns:a16="http://schemas.microsoft.com/office/drawing/2014/main" id="{788E8453-33A0-4055-AA2D-21D94C85DF0F}"/>
+                <a16:creationId xmlns:a16="http://schemas.microsoft.com/office/drawing/2014/main" xmlns="" id="{788E8453-33A0-4055-AA2D-21D94C85DF0F}"/>
               </a:ext>
             </a:extLst>
           </p:cNvPr>
@@ -4290,7 +4274,7 @@
           </a:ln>
           <a:extLst>
             <a:ext uri="{91240B29-F687-4F45-9708-019B960494DF}">
-              <a14:hiddenLine xmlns:a14="http://schemas.microsoft.com/office/drawing/2010/main" w="9525">
+              <a14:hiddenLine xmlns:a14="http://schemas.microsoft.com/office/drawing/2010/main" xmlns="" w="9525">
                 <a:solidFill>
                   <a:srgbClr val="000000"/>
                 </a:solidFill>
@@ -4454,7 +4438,7 @@
           <p:cNvPr id="9" name="Line 6">
             <a:extLst>
               <a:ext uri="{FF2B5EF4-FFF2-40B4-BE49-F238E27FC236}">
-                <a16:creationId xmlns:a16="http://schemas.microsoft.com/office/drawing/2014/main" id="{9C923AF9-2EBC-48F7-BB72-2B0882E8C94A}"/>
+                <a16:creationId xmlns:a16="http://schemas.microsoft.com/office/drawing/2014/main" xmlns="" id="{9C923AF9-2EBC-48F7-BB72-2B0882E8C94A}"/>
               </a:ext>
             </a:extLst>
           </p:cNvPr>
@@ -4482,7 +4466,7 @@
           </a:ln>
           <a:extLst>
             <a:ext uri="{909E8E84-426E-40DD-AFC4-6F175D3DCCD1}">
-              <a14:hiddenFill xmlns:a14="http://schemas.microsoft.com/office/drawing/2010/main">
+              <a14:hiddenFill xmlns:a14="http://schemas.microsoft.com/office/drawing/2010/main" xmlns="">
                 <a:noFill/>
               </a14:hiddenFill>
             </a:ext>
@@ -4515,7 +4499,7 @@
           <p:cNvPr id="11" name="Line 7">
             <a:extLst>
               <a:ext uri="{FF2B5EF4-FFF2-40B4-BE49-F238E27FC236}">
-                <a16:creationId xmlns:a16="http://schemas.microsoft.com/office/drawing/2014/main" id="{1530FFBB-7B4F-4662-A73F-DCAD9D62C4DD}"/>
+                <a16:creationId xmlns:a16="http://schemas.microsoft.com/office/drawing/2014/main" xmlns="" id="{1530FFBB-7B4F-4662-A73F-DCAD9D62C4DD}"/>
               </a:ext>
             </a:extLst>
           </p:cNvPr>
@@ -4543,7 +4527,7 @@
           </a:ln>
           <a:extLst>
             <a:ext uri="{909E8E84-426E-40DD-AFC4-6F175D3DCCD1}">
-              <a14:hiddenFill xmlns:a14="http://schemas.microsoft.com/office/drawing/2010/main">
+              <a14:hiddenFill xmlns:a14="http://schemas.microsoft.com/office/drawing/2010/main" xmlns="">
                 <a:noFill/>
               </a14:hiddenFill>
             </a:ext>
@@ -4574,7 +4558,7 @@
     </p:spTree>
     <p:extLst>
       <p:ext uri="{BB962C8B-B14F-4D97-AF65-F5344CB8AC3E}">
-        <p14:creationId xmlns:p14="http://schemas.microsoft.com/office/powerpoint/2010/main" val="3252093137"/>
+        <p14:creationId xmlns:p14="http://schemas.microsoft.com/office/powerpoint/2010/main" xmlns="" val="3252093137"/>
       </p:ext>
     </p:extLst>
   </p:cSld>
@@ -4701,28 +4685,6 @@
       </p:sp>
       <p:sp>
         <p:nvSpPr>
-          <p:cNvPr id="6" name="Date Placeholder 5"/>
-          <p:cNvSpPr>
-            <a:spLocks noGrp="1"/>
-          </p:cNvSpPr>
-          <p:nvPr>
-            <p:ph type="dt" sz="half" idx="2"/>
-          </p:nvPr>
-        </p:nvSpPr>
-        <p:spPr/>
-        <p:txBody>
-          <a:bodyPr/>
-          <a:lstStyle/>
-          <a:p>
-            <a:r>
-              <a:rPr lang="en-CA" dirty="0"/>
-              <a:t>Winter 2022</a:t>
-            </a:r>
-          </a:p>
-        </p:txBody>
-      </p:sp>
-      <p:sp>
-        <p:nvSpPr>
           <p:cNvPr id="10" name="Footer Placeholder 9"/>
           <p:cNvSpPr>
             <a:spLocks noGrp="1"/>
@@ -4775,7 +4737,7 @@
           <p:cNvPr id="11" name="Text Box 4">
             <a:extLst>
               <a:ext uri="{FF2B5EF4-FFF2-40B4-BE49-F238E27FC236}">
-                <a16:creationId xmlns:a16="http://schemas.microsoft.com/office/drawing/2014/main" id="{F500B013-9EFD-4AE1-AB69-4F26E9F0B792}"/>
+                <a16:creationId xmlns:a16="http://schemas.microsoft.com/office/drawing/2014/main" xmlns="" id="{F500B013-9EFD-4AE1-AB69-4F26E9F0B792}"/>
               </a:ext>
             </a:extLst>
           </p:cNvPr>
@@ -4800,7 +4762,7 @@
           </a:ln>
           <a:extLst>
             <a:ext uri="{91240B29-F687-4F45-9708-019B960494DF}">
-              <a14:hiddenLine xmlns:a14="http://schemas.microsoft.com/office/drawing/2010/main" w="9525">
+              <a14:hiddenLine xmlns:a14="http://schemas.microsoft.com/office/drawing/2010/main" xmlns="" w="9525">
                 <a:solidFill>
                   <a:srgbClr val="000000"/>
                 </a:solidFill>
@@ -5114,7 +5076,7 @@
           <p:cNvPr id="13" name="Text Box 5">
             <a:extLst>
               <a:ext uri="{FF2B5EF4-FFF2-40B4-BE49-F238E27FC236}">
-                <a16:creationId xmlns:a16="http://schemas.microsoft.com/office/drawing/2014/main" id="{021179AF-249F-417D-822F-B5EF9CACB7A8}"/>
+                <a16:creationId xmlns:a16="http://schemas.microsoft.com/office/drawing/2014/main" xmlns="" id="{021179AF-249F-417D-822F-B5EF9CACB7A8}"/>
               </a:ext>
             </a:extLst>
           </p:cNvPr>
@@ -5139,7 +5101,7 @@
           </a:ln>
           <a:extLst>
             <a:ext uri="{91240B29-F687-4F45-9708-019B960494DF}">
-              <a14:hiddenLine xmlns:a14="http://schemas.microsoft.com/office/drawing/2010/main" w="9525">
+              <a14:hiddenLine xmlns:a14="http://schemas.microsoft.com/office/drawing/2010/main" xmlns="" w="9525">
                 <a:solidFill>
                   <a:srgbClr val="000000"/>
                 </a:solidFill>
@@ -5351,7 +5313,7 @@
           <p:cNvPr id="14" name="Line 6">
             <a:extLst>
               <a:ext uri="{FF2B5EF4-FFF2-40B4-BE49-F238E27FC236}">
-                <a16:creationId xmlns:a16="http://schemas.microsoft.com/office/drawing/2014/main" id="{9853677D-AAD7-442A-93E8-575AB2FAE308}"/>
+                <a16:creationId xmlns:a16="http://schemas.microsoft.com/office/drawing/2014/main" xmlns="" id="{9853677D-AAD7-442A-93E8-575AB2FAE308}"/>
               </a:ext>
             </a:extLst>
           </p:cNvPr>
@@ -5379,7 +5341,7 @@
           </a:ln>
           <a:extLst>
             <a:ext uri="{909E8E84-426E-40DD-AFC4-6F175D3DCCD1}">
-              <a14:hiddenFill xmlns:a14="http://schemas.microsoft.com/office/drawing/2010/main">
+              <a14:hiddenFill xmlns:a14="http://schemas.microsoft.com/office/drawing/2010/main" xmlns="">
                 <a:noFill/>
               </a14:hiddenFill>
             </a:ext>
@@ -5410,7 +5372,7 @@
     </p:spTree>
     <p:extLst>
       <p:ext uri="{BB962C8B-B14F-4D97-AF65-F5344CB8AC3E}">
-        <p14:creationId xmlns:p14="http://schemas.microsoft.com/office/powerpoint/2010/main" val="3830296394"/>
+        <p14:creationId xmlns:p14="http://schemas.microsoft.com/office/powerpoint/2010/main" xmlns="" val="3830296394"/>
       </p:ext>
     </p:extLst>
   </p:cSld>
@@ -5500,28 +5462,6 @@
       </p:sp>
       <p:sp>
         <p:nvSpPr>
-          <p:cNvPr id="6" name="Date Placeholder 5"/>
-          <p:cNvSpPr>
-            <a:spLocks noGrp="1"/>
-          </p:cNvSpPr>
-          <p:nvPr>
-            <p:ph type="dt" sz="half" idx="2"/>
-          </p:nvPr>
-        </p:nvSpPr>
-        <p:spPr/>
-        <p:txBody>
-          <a:bodyPr/>
-          <a:lstStyle/>
-          <a:p>
-            <a:r>
-              <a:rPr lang="en-CA" dirty="0"/>
-              <a:t>Winter 2022</a:t>
-            </a:r>
-          </a:p>
-        </p:txBody>
-      </p:sp>
-      <p:sp>
-        <p:nvSpPr>
           <p:cNvPr id="10" name="Footer Placeholder 9"/>
           <p:cNvSpPr>
             <a:spLocks noGrp="1"/>
@@ -5574,7 +5514,7 @@
           <p:cNvPr id="30" name="Rectangle 10">
             <a:extLst>
               <a:ext uri="{FF2B5EF4-FFF2-40B4-BE49-F238E27FC236}">
-                <a16:creationId xmlns:a16="http://schemas.microsoft.com/office/drawing/2014/main" id="{06C1C3B4-A13C-4EE4-87D9-0252D3176D98}"/>
+                <a16:creationId xmlns:a16="http://schemas.microsoft.com/office/drawing/2014/main" xmlns="" id="{06C1C3B4-A13C-4EE4-87D9-0252D3176D98}"/>
               </a:ext>
             </a:extLst>
           </p:cNvPr>
@@ -5599,7 +5539,7 @@
           </a:ln>
           <a:extLst>
             <a:ext uri="{91240B29-F687-4F45-9708-019B960494DF}">
-              <a14:hiddenLine xmlns:a14="http://schemas.microsoft.com/office/drawing/2010/main" w="9525">
+              <a14:hiddenLine xmlns:a14="http://schemas.microsoft.com/office/drawing/2010/main" xmlns="" w="9525">
                 <a:solidFill>
                   <a:srgbClr val="000000"/>
                 </a:solidFill>
@@ -5758,7 +5698,7 @@
           <p:cNvPr id="31" name="Line 3">
             <a:extLst>
               <a:ext uri="{FF2B5EF4-FFF2-40B4-BE49-F238E27FC236}">
-                <a16:creationId xmlns:a16="http://schemas.microsoft.com/office/drawing/2014/main" id="{743090A3-ABCF-4199-B31F-F7938003A238}"/>
+                <a16:creationId xmlns:a16="http://schemas.microsoft.com/office/drawing/2014/main" xmlns="" id="{743090A3-ABCF-4199-B31F-F7938003A238}"/>
               </a:ext>
             </a:extLst>
           </p:cNvPr>
@@ -5786,7 +5726,7 @@
           </a:ln>
           <a:extLst>
             <a:ext uri="{909E8E84-426E-40DD-AFC4-6F175D3DCCD1}">
-              <a14:hiddenFill xmlns:a14="http://schemas.microsoft.com/office/drawing/2010/main">
+              <a14:hiddenFill xmlns:a14="http://schemas.microsoft.com/office/drawing/2010/main" xmlns="">
                 <a:noFill/>
               </a14:hiddenFill>
             </a:ext>
@@ -5834,7 +5774,7 @@
           <p:cNvPr id="32" name="Line 4">
             <a:extLst>
               <a:ext uri="{FF2B5EF4-FFF2-40B4-BE49-F238E27FC236}">
-                <a16:creationId xmlns:a16="http://schemas.microsoft.com/office/drawing/2014/main" id="{38520199-1BD5-422D-B381-29423A0E9E86}"/>
+                <a16:creationId xmlns:a16="http://schemas.microsoft.com/office/drawing/2014/main" xmlns="" id="{38520199-1BD5-422D-B381-29423A0E9E86}"/>
               </a:ext>
             </a:extLst>
           </p:cNvPr>
@@ -5862,7 +5802,7 @@
           </a:ln>
           <a:extLst>
             <a:ext uri="{909E8E84-426E-40DD-AFC4-6F175D3DCCD1}">
-              <a14:hiddenFill xmlns:a14="http://schemas.microsoft.com/office/drawing/2010/main">
+              <a14:hiddenFill xmlns:a14="http://schemas.microsoft.com/office/drawing/2010/main" xmlns="">
                 <a:noFill/>
               </a14:hiddenFill>
             </a:ext>
@@ -5910,7 +5850,7 @@
           <p:cNvPr id="33" name="Text Box 5">
             <a:extLst>
               <a:ext uri="{FF2B5EF4-FFF2-40B4-BE49-F238E27FC236}">
-                <a16:creationId xmlns:a16="http://schemas.microsoft.com/office/drawing/2014/main" id="{A4167182-DEAE-4889-BE8C-17D5DD6B1A36}"/>
+                <a16:creationId xmlns:a16="http://schemas.microsoft.com/office/drawing/2014/main" xmlns="" id="{A4167182-DEAE-4889-BE8C-17D5DD6B1A36}"/>
               </a:ext>
             </a:extLst>
           </p:cNvPr>
@@ -5933,14 +5873,14 @@
           </a:ln>
           <a:extLst>
             <a:ext uri="{909E8E84-426E-40DD-AFC4-6F175D3DCCD1}">
-              <a14:hiddenFill xmlns:a14="http://schemas.microsoft.com/office/drawing/2010/main">
+              <a14:hiddenFill xmlns:a14="http://schemas.microsoft.com/office/drawing/2010/main" xmlns="">
                 <a:solidFill>
                   <a:srgbClr val="FFFFFF"/>
                 </a:solidFill>
               </a14:hiddenFill>
             </a:ext>
             <a:ext uri="{91240B29-F687-4F45-9708-019B960494DF}">
-              <a14:hiddenLine xmlns:a14="http://schemas.microsoft.com/office/drawing/2010/main" w="9525">
+              <a14:hiddenLine xmlns:a14="http://schemas.microsoft.com/office/drawing/2010/main" xmlns="" w="9525">
                 <a:solidFill>
                   <a:srgbClr val="000000"/>
                 </a:solidFill>
@@ -6117,7 +6057,7 @@
           <p:cNvPr id="34" name="Text Box 6">
             <a:extLst>
               <a:ext uri="{FF2B5EF4-FFF2-40B4-BE49-F238E27FC236}">
-                <a16:creationId xmlns:a16="http://schemas.microsoft.com/office/drawing/2014/main" id="{4E8708EF-F08A-473F-8BA5-EB54BA3CDD97}"/>
+                <a16:creationId xmlns:a16="http://schemas.microsoft.com/office/drawing/2014/main" xmlns="" id="{4E8708EF-F08A-473F-8BA5-EB54BA3CDD97}"/>
               </a:ext>
             </a:extLst>
           </p:cNvPr>
@@ -6140,14 +6080,14 @@
           </a:ln>
           <a:extLst>
             <a:ext uri="{909E8E84-426E-40DD-AFC4-6F175D3DCCD1}">
-              <a14:hiddenFill xmlns:a14="http://schemas.microsoft.com/office/drawing/2010/main">
+              <a14:hiddenFill xmlns:a14="http://schemas.microsoft.com/office/drawing/2010/main" xmlns="">
                 <a:solidFill>
                   <a:srgbClr val="FFFFFF"/>
                 </a:solidFill>
               </a14:hiddenFill>
             </a:ext>
             <a:ext uri="{91240B29-F687-4F45-9708-019B960494DF}">
-              <a14:hiddenLine xmlns:a14="http://schemas.microsoft.com/office/drawing/2010/main" w="9525">
+              <a14:hiddenLine xmlns:a14="http://schemas.microsoft.com/office/drawing/2010/main" xmlns="" w="9525">
                 <a:solidFill>
                   <a:srgbClr val="000000"/>
                 </a:solidFill>
@@ -6324,7 +6264,7 @@
           <p:cNvPr id="35" name="Text Box 7">
             <a:extLst>
               <a:ext uri="{FF2B5EF4-FFF2-40B4-BE49-F238E27FC236}">
-                <a16:creationId xmlns:a16="http://schemas.microsoft.com/office/drawing/2014/main" id="{BFAEF2C9-111E-4A27-BC59-3D9A4BF79DD6}"/>
+                <a16:creationId xmlns:a16="http://schemas.microsoft.com/office/drawing/2014/main" xmlns="" id="{BFAEF2C9-111E-4A27-BC59-3D9A4BF79DD6}"/>
               </a:ext>
             </a:extLst>
           </p:cNvPr>
@@ -6349,7 +6289,7 @@
           </a:ln>
           <a:extLst>
             <a:ext uri="{91240B29-F687-4F45-9708-019B960494DF}">
-              <a14:hiddenLine xmlns:a14="http://schemas.microsoft.com/office/drawing/2010/main" w="9525">
+              <a14:hiddenLine xmlns:a14="http://schemas.microsoft.com/office/drawing/2010/main" xmlns="" w="9525">
                 <a:solidFill>
                   <a:srgbClr val="000000"/>
                 </a:solidFill>
@@ -6513,7 +6453,7 @@
           <p:cNvPr id="36" name="Text Box 8">
             <a:extLst>
               <a:ext uri="{FF2B5EF4-FFF2-40B4-BE49-F238E27FC236}">
-                <a16:creationId xmlns:a16="http://schemas.microsoft.com/office/drawing/2014/main" id="{EEEF77A1-9E0A-4522-8FF0-86B9874BB055}"/>
+                <a16:creationId xmlns:a16="http://schemas.microsoft.com/office/drawing/2014/main" xmlns="" id="{EEEF77A1-9E0A-4522-8FF0-86B9874BB055}"/>
               </a:ext>
             </a:extLst>
           </p:cNvPr>
@@ -6538,7 +6478,7 @@
           </a:ln>
           <a:extLst>
             <a:ext uri="{91240B29-F687-4F45-9708-019B960494DF}">
-              <a14:hiddenLine xmlns:a14="http://schemas.microsoft.com/office/drawing/2010/main" w="9525">
+              <a14:hiddenLine xmlns:a14="http://schemas.microsoft.com/office/drawing/2010/main" xmlns="" w="9525">
                 <a:solidFill>
                   <a:srgbClr val="000000"/>
                 </a:solidFill>
@@ -6750,7 +6690,7 @@
           <p:cNvPr id="37" name="Text Box 9">
             <a:extLst>
               <a:ext uri="{FF2B5EF4-FFF2-40B4-BE49-F238E27FC236}">
-                <a16:creationId xmlns:a16="http://schemas.microsoft.com/office/drawing/2014/main" id="{8589C9B2-A28D-4DE8-B9BA-B7D7ECFBED6C}"/>
+                <a16:creationId xmlns:a16="http://schemas.microsoft.com/office/drawing/2014/main" xmlns="" id="{8589C9B2-A28D-4DE8-B9BA-B7D7ECFBED6C}"/>
               </a:ext>
             </a:extLst>
           </p:cNvPr>
@@ -6775,7 +6715,7 @@
           </a:ln>
           <a:extLst>
             <a:ext uri="{91240B29-F687-4F45-9708-019B960494DF}">
-              <a14:hiddenLine xmlns:a14="http://schemas.microsoft.com/office/drawing/2010/main" w="9525">
+              <a14:hiddenLine xmlns:a14="http://schemas.microsoft.com/office/drawing/2010/main" xmlns="" w="9525">
                 <a:solidFill>
                   <a:srgbClr val="000000"/>
                 </a:solidFill>
@@ -6966,7 +6906,7 @@
     </p:spTree>
     <p:extLst>
       <p:ext uri="{BB962C8B-B14F-4D97-AF65-F5344CB8AC3E}">
-        <p14:creationId xmlns:p14="http://schemas.microsoft.com/office/powerpoint/2010/main" val="1148352933"/>
+        <p14:creationId xmlns:p14="http://schemas.microsoft.com/office/powerpoint/2010/main" xmlns="" val="1148352933"/>
       </p:ext>
     </p:extLst>
   </p:cSld>
@@ -7132,28 +7072,6 @@
       </p:sp>
       <p:sp>
         <p:nvSpPr>
-          <p:cNvPr id="6" name="Date Placeholder 5"/>
-          <p:cNvSpPr>
-            <a:spLocks noGrp="1"/>
-          </p:cNvSpPr>
-          <p:nvPr>
-            <p:ph type="dt" sz="half" idx="2"/>
-          </p:nvPr>
-        </p:nvSpPr>
-        <p:spPr/>
-        <p:txBody>
-          <a:bodyPr/>
-          <a:lstStyle/>
-          <a:p>
-            <a:r>
-              <a:rPr lang="en-CA" dirty="0"/>
-              <a:t>Winter 2022</a:t>
-            </a:r>
-          </a:p>
-        </p:txBody>
-      </p:sp>
-      <p:sp>
-        <p:nvSpPr>
           <p:cNvPr id="10" name="Footer Placeholder 9"/>
           <p:cNvSpPr>
             <a:spLocks noGrp="1"/>
@@ -7204,7 +7122,7 @@
     </p:spTree>
     <p:extLst>
       <p:ext uri="{BB962C8B-B14F-4D97-AF65-F5344CB8AC3E}">
-        <p14:creationId xmlns:p14="http://schemas.microsoft.com/office/powerpoint/2010/main" val="312691650"/>
+        <p14:creationId xmlns:p14="http://schemas.microsoft.com/office/powerpoint/2010/main" xmlns="" val="312691650"/>
       </p:ext>
     </p:extLst>
   </p:cSld>
@@ -7298,28 +7216,6 @@
       </p:sp>
       <p:sp>
         <p:nvSpPr>
-          <p:cNvPr id="6" name="Date Placeholder 5"/>
-          <p:cNvSpPr>
-            <a:spLocks noGrp="1"/>
-          </p:cNvSpPr>
-          <p:nvPr>
-            <p:ph type="dt" sz="half" idx="2"/>
-          </p:nvPr>
-        </p:nvSpPr>
-        <p:spPr/>
-        <p:txBody>
-          <a:bodyPr/>
-          <a:lstStyle/>
-          <a:p>
-            <a:r>
-              <a:rPr lang="en-CA" dirty="0"/>
-              <a:t>Winter 2022</a:t>
-            </a:r>
-          </a:p>
-        </p:txBody>
-      </p:sp>
-      <p:sp>
-        <p:nvSpPr>
           <p:cNvPr id="10" name="Footer Placeholder 9"/>
           <p:cNvSpPr>
             <a:spLocks noGrp="1"/>
@@ -7372,7 +7268,7 @@
           <p:cNvPr id="18" name="Group 12">
             <a:extLst>
               <a:ext uri="{FF2B5EF4-FFF2-40B4-BE49-F238E27FC236}">
-                <a16:creationId xmlns:a16="http://schemas.microsoft.com/office/drawing/2014/main" id="{C7516DF8-9CD3-4D19-9E83-DFB029B28E4D}"/>
+                <a16:creationId xmlns:a16="http://schemas.microsoft.com/office/drawing/2014/main" xmlns="" id="{C7516DF8-9CD3-4D19-9E83-DFB029B28E4D}"/>
               </a:ext>
             </a:extLst>
           </p:cNvPr>
@@ -7394,7 +7290,7 @@
             <p:cNvPr id="19" name="Oval 5">
               <a:extLst>
                 <a:ext uri="{FF2B5EF4-FFF2-40B4-BE49-F238E27FC236}">
-                  <a16:creationId xmlns:a16="http://schemas.microsoft.com/office/drawing/2014/main" id="{CA3A59B6-4DAF-42C6-BBEC-9EB19B62ACC5}"/>
+                  <a16:creationId xmlns:a16="http://schemas.microsoft.com/office/drawing/2014/main" xmlns="" id="{CA3A59B6-4DAF-42C6-BBEC-9EB19B62ACC5}"/>
                 </a:ext>
               </a:extLst>
             </p:cNvPr>
@@ -7571,7 +7467,7 @@
             <p:cNvPr id="20" name="Freeform 6">
               <a:extLst>
                 <a:ext uri="{FF2B5EF4-FFF2-40B4-BE49-F238E27FC236}">
-                  <a16:creationId xmlns:a16="http://schemas.microsoft.com/office/drawing/2014/main" id="{9AC75F55-A816-4A5E-B4E5-C44722B3511A}"/>
+                  <a16:creationId xmlns:a16="http://schemas.microsoft.com/office/drawing/2014/main" xmlns="" id="{9AC75F55-A816-4A5E-B4E5-C44722B3511A}"/>
                 </a:ext>
               </a:extLst>
             </p:cNvPr>
@@ -7647,7 +7543,7 @@
             </a:ln>
             <a:extLst>
               <a:ext uri="{91240B29-F687-4F45-9708-019B960494DF}">
-                <a14:hiddenLine xmlns:a14="http://schemas.microsoft.com/office/drawing/2010/main" w="9525">
+                <a14:hiddenLine xmlns:a14="http://schemas.microsoft.com/office/drawing/2010/main" xmlns="" w="9525">
                   <a:solidFill>
                     <a:srgbClr val="000000"/>
                   </a:solidFill>
@@ -7806,7 +7702,7 @@
             <p:cNvPr id="21" name="Freeform 7">
               <a:extLst>
                 <a:ext uri="{FF2B5EF4-FFF2-40B4-BE49-F238E27FC236}">
-                  <a16:creationId xmlns:a16="http://schemas.microsoft.com/office/drawing/2014/main" id="{095CAF0C-13DC-42A2-9DD1-18364B07282F}"/>
+                  <a16:creationId xmlns:a16="http://schemas.microsoft.com/office/drawing/2014/main" xmlns="" id="{095CAF0C-13DC-42A2-9DD1-18364B07282F}"/>
                 </a:ext>
               </a:extLst>
             </p:cNvPr>
@@ -7882,7 +7778,7 @@
             </a:ln>
             <a:extLst>
               <a:ext uri="{91240B29-F687-4F45-9708-019B960494DF}">
-                <a14:hiddenLine xmlns:a14="http://schemas.microsoft.com/office/drawing/2010/main" w="9525">
+                <a14:hiddenLine xmlns:a14="http://schemas.microsoft.com/office/drawing/2010/main" xmlns="" w="9525">
                   <a:solidFill>
                     <a:srgbClr val="000000"/>
                   </a:solidFill>
@@ -8041,7 +7937,7 @@
             <p:cNvPr id="22" name="Oval 8">
               <a:extLst>
                 <a:ext uri="{FF2B5EF4-FFF2-40B4-BE49-F238E27FC236}">
-                  <a16:creationId xmlns:a16="http://schemas.microsoft.com/office/drawing/2014/main" id="{E81FE407-9CAB-497F-ACCD-2C043C5D3157}"/>
+                  <a16:creationId xmlns:a16="http://schemas.microsoft.com/office/drawing/2014/main" xmlns="" id="{E81FE407-9CAB-497F-ACCD-2C043C5D3157}"/>
                 </a:ext>
               </a:extLst>
             </p:cNvPr>
@@ -8069,7 +7965,7 @@
             </a:ln>
             <a:extLst>
               <a:ext uri="{909E8E84-426E-40DD-AFC4-6F175D3DCCD1}">
-                <a14:hiddenFill xmlns:a14="http://schemas.microsoft.com/office/drawing/2010/main">
+                <a14:hiddenFill xmlns:a14="http://schemas.microsoft.com/office/drawing/2010/main" xmlns="">
                   <a:solidFill>
                     <a:srgbClr val="FFFFFF"/>
                   </a:solidFill>
@@ -8225,7 +8121,7 @@
             <p:cNvPr id="23" name="Freeform 9">
               <a:extLst>
                 <a:ext uri="{FF2B5EF4-FFF2-40B4-BE49-F238E27FC236}">
-                  <a16:creationId xmlns:a16="http://schemas.microsoft.com/office/drawing/2014/main" id="{CAAEF2D1-34EA-4E88-9AD9-7F301A827032}"/>
+                  <a16:creationId xmlns:a16="http://schemas.microsoft.com/office/drawing/2014/main" xmlns="" id="{CAAEF2D1-34EA-4E88-9AD9-7F301A827032}"/>
                 </a:ext>
               </a:extLst>
             </p:cNvPr>
@@ -8679,7 +8575,7 @@
             </a:ln>
             <a:extLst>
               <a:ext uri="{909E8E84-426E-40DD-AFC4-6F175D3DCCD1}">
-                <a14:hiddenFill xmlns:a14="http://schemas.microsoft.com/office/drawing/2010/main">
+                <a14:hiddenFill xmlns:a14="http://schemas.microsoft.com/office/drawing/2010/main" xmlns="">
                   <a:solidFill>
                     <a:srgbClr val="FFFFFF"/>
                   </a:solidFill>
@@ -8835,7 +8731,7 @@
             <p:cNvPr id="24" name="Rectangle 10">
               <a:extLst>
                 <a:ext uri="{FF2B5EF4-FFF2-40B4-BE49-F238E27FC236}">
-                  <a16:creationId xmlns:a16="http://schemas.microsoft.com/office/drawing/2014/main" id="{0DFEDCA2-B59A-471E-BED7-8E128E1CD01A}"/>
+                  <a16:creationId xmlns:a16="http://schemas.microsoft.com/office/drawing/2014/main" xmlns="" id="{0DFEDCA2-B59A-471E-BED7-8E128E1CD01A}"/>
                 </a:ext>
               </a:extLst>
             </p:cNvPr>
@@ -8863,7 +8759,7 @@
             </a:ln>
             <a:extLst>
               <a:ext uri="{909E8E84-426E-40DD-AFC4-6F175D3DCCD1}">
-                <a14:hiddenFill xmlns:a14="http://schemas.microsoft.com/office/drawing/2010/main">
+                <a14:hiddenFill xmlns:a14="http://schemas.microsoft.com/office/drawing/2010/main" xmlns="">
                   <a:solidFill>
                     <a:srgbClr val="FFFFFF"/>
                   </a:solidFill>
@@ -9020,7 +8916,7 @@
           <p:cNvPr id="25" name="Text Box 11">
             <a:extLst>
               <a:ext uri="{FF2B5EF4-FFF2-40B4-BE49-F238E27FC236}">
-                <a16:creationId xmlns:a16="http://schemas.microsoft.com/office/drawing/2014/main" id="{598EAC20-D322-4EB4-96F1-627B25E39FF3}"/>
+                <a16:creationId xmlns:a16="http://schemas.microsoft.com/office/drawing/2014/main" xmlns="" id="{598EAC20-D322-4EB4-96F1-627B25E39FF3}"/>
               </a:ext>
             </a:extLst>
           </p:cNvPr>
@@ -9045,7 +8941,7 @@
           </a:ln>
           <a:extLst>
             <a:ext uri="{91240B29-F687-4F45-9708-019B960494DF}">
-              <a14:hiddenLine xmlns:a14="http://schemas.microsoft.com/office/drawing/2010/main" w="9525">
+              <a14:hiddenLine xmlns:a14="http://schemas.microsoft.com/office/drawing/2010/main" xmlns="" w="9525">
                 <a:solidFill>
                   <a:srgbClr val="000000"/>
                 </a:solidFill>
@@ -9254,7 +9150,7 @@
           <p:cNvPr id="26" name="Line 13">
             <a:extLst>
               <a:ext uri="{FF2B5EF4-FFF2-40B4-BE49-F238E27FC236}">
-                <a16:creationId xmlns:a16="http://schemas.microsoft.com/office/drawing/2014/main" id="{DF7ECC7C-0791-4614-93F8-70C8EB4757BD}"/>
+                <a16:creationId xmlns:a16="http://schemas.microsoft.com/office/drawing/2014/main" xmlns="" id="{DF7ECC7C-0791-4614-93F8-70C8EB4757BD}"/>
               </a:ext>
             </a:extLst>
           </p:cNvPr>
@@ -9282,7 +9178,7 @@
           </a:ln>
           <a:extLst>
             <a:ext uri="{909E8E84-426E-40DD-AFC4-6F175D3DCCD1}">
-              <a14:hiddenFill xmlns:a14="http://schemas.microsoft.com/office/drawing/2010/main">
+              <a14:hiddenFill xmlns:a14="http://schemas.microsoft.com/office/drawing/2010/main" xmlns="">
                 <a:noFill/>
               </a14:hiddenFill>
             </a:ext>
@@ -9313,7 +9209,7 @@
     </p:spTree>
     <p:extLst>
       <p:ext uri="{BB962C8B-B14F-4D97-AF65-F5344CB8AC3E}">
-        <p14:creationId xmlns:p14="http://schemas.microsoft.com/office/powerpoint/2010/main" val="2325179049"/>
+        <p14:creationId xmlns:p14="http://schemas.microsoft.com/office/powerpoint/2010/main" xmlns="" val="2325179049"/>
       </p:ext>
     </p:extLst>
   </p:cSld>
@@ -9402,28 +9298,6 @@
       </p:sp>
       <p:sp>
         <p:nvSpPr>
-          <p:cNvPr id="6" name="Date Placeholder 5"/>
-          <p:cNvSpPr>
-            <a:spLocks noGrp="1"/>
-          </p:cNvSpPr>
-          <p:nvPr>
-            <p:ph type="dt" sz="half" idx="2"/>
-          </p:nvPr>
-        </p:nvSpPr>
-        <p:spPr/>
-        <p:txBody>
-          <a:bodyPr/>
-          <a:lstStyle/>
-          <a:p>
-            <a:r>
-              <a:rPr lang="en-CA" dirty="0"/>
-              <a:t>Winter 2022</a:t>
-            </a:r>
-          </a:p>
-        </p:txBody>
-      </p:sp>
-      <p:sp>
-        <p:nvSpPr>
           <p:cNvPr id="10" name="Footer Placeholder 9"/>
           <p:cNvSpPr>
             <a:spLocks noGrp="1"/>
@@ -9476,7 +9350,7 @@
           <p:cNvPr id="11" name="Rectangle 3">
             <a:extLst>
               <a:ext uri="{FF2B5EF4-FFF2-40B4-BE49-F238E27FC236}">
-                <a16:creationId xmlns:a16="http://schemas.microsoft.com/office/drawing/2014/main" id="{888FB6DF-E60C-4778-80CC-4EDA513E6CE6}"/>
+                <a16:creationId xmlns:a16="http://schemas.microsoft.com/office/drawing/2014/main" xmlns="" id="{888FB6DF-E60C-4778-80CC-4EDA513E6CE6}"/>
               </a:ext>
             </a:extLst>
           </p:cNvPr>
@@ -9740,7 +9614,7 @@
           <p:cNvPr id="13" name="Text Box 13">
             <a:extLst>
               <a:ext uri="{FF2B5EF4-FFF2-40B4-BE49-F238E27FC236}">
-                <a16:creationId xmlns:a16="http://schemas.microsoft.com/office/drawing/2014/main" id="{6CDA7349-5ECE-4774-92A4-2525F7611B04}"/>
+                <a16:creationId xmlns:a16="http://schemas.microsoft.com/office/drawing/2014/main" xmlns="" id="{6CDA7349-5ECE-4774-92A4-2525F7611B04}"/>
               </a:ext>
             </a:extLst>
           </p:cNvPr>
@@ -9765,7 +9639,7 @@
           </a:ln>
           <a:extLst>
             <a:ext uri="{91240B29-F687-4F45-9708-019B960494DF}">
-              <a14:hiddenLine xmlns:a14="http://schemas.microsoft.com/office/drawing/2010/main" w="9525">
+              <a14:hiddenLine xmlns:a14="http://schemas.microsoft.com/office/drawing/2010/main" xmlns="" w="9525">
                 <a:solidFill>
                   <a:srgbClr val="000000"/>
                 </a:solidFill>
@@ -10057,7 +9931,7 @@
           <p:cNvPr id="14" name="Text Box 14">
             <a:extLst>
               <a:ext uri="{FF2B5EF4-FFF2-40B4-BE49-F238E27FC236}">
-                <a16:creationId xmlns:a16="http://schemas.microsoft.com/office/drawing/2014/main" id="{0CC95312-FD08-4273-9210-04949F70973E}"/>
+                <a16:creationId xmlns:a16="http://schemas.microsoft.com/office/drawing/2014/main" xmlns="" id="{0CC95312-FD08-4273-9210-04949F70973E}"/>
               </a:ext>
             </a:extLst>
           </p:cNvPr>
@@ -10082,7 +9956,7 @@
           </a:ln>
           <a:extLst>
             <a:ext uri="{91240B29-F687-4F45-9708-019B960494DF}">
-              <a14:hiddenLine xmlns:a14="http://schemas.microsoft.com/office/drawing/2010/main" w="9525">
+              <a14:hiddenLine xmlns:a14="http://schemas.microsoft.com/office/drawing/2010/main" xmlns="" w="9525">
                 <a:solidFill>
                   <a:srgbClr val="000000"/>
                 </a:solidFill>
@@ -10357,7 +10231,7 @@
     </p:spTree>
     <p:extLst>
       <p:ext uri="{BB962C8B-B14F-4D97-AF65-F5344CB8AC3E}">
-        <p14:creationId xmlns:p14="http://schemas.microsoft.com/office/powerpoint/2010/main" val="3064902311"/>
+        <p14:creationId xmlns:p14="http://schemas.microsoft.com/office/powerpoint/2010/main" xmlns="" val="3064902311"/>
       </p:ext>
     </p:extLst>
   </p:cSld>
@@ -10443,28 +10317,6 @@
       </p:sp>
       <p:sp>
         <p:nvSpPr>
-          <p:cNvPr id="6" name="Date Placeholder 5"/>
-          <p:cNvSpPr>
-            <a:spLocks noGrp="1"/>
-          </p:cNvSpPr>
-          <p:nvPr>
-            <p:ph type="dt" sz="half" idx="2"/>
-          </p:nvPr>
-        </p:nvSpPr>
-        <p:spPr/>
-        <p:txBody>
-          <a:bodyPr/>
-          <a:lstStyle/>
-          <a:p>
-            <a:r>
-              <a:rPr lang="en-CA" dirty="0"/>
-              <a:t>Winter 2022</a:t>
-            </a:r>
-          </a:p>
-        </p:txBody>
-      </p:sp>
-      <p:sp>
-        <p:nvSpPr>
           <p:cNvPr id="10" name="Footer Placeholder 9"/>
           <p:cNvSpPr>
             <a:spLocks noGrp="1"/>
@@ -10517,7 +10369,7 @@
           <p:cNvPr id="7" name="Rectangle 3">
             <a:extLst>
               <a:ext uri="{FF2B5EF4-FFF2-40B4-BE49-F238E27FC236}">
-                <a16:creationId xmlns:a16="http://schemas.microsoft.com/office/drawing/2014/main" id="{3DFCADB8-9A57-48F0-903E-38A33DEE2ADC}"/>
+                <a16:creationId xmlns:a16="http://schemas.microsoft.com/office/drawing/2014/main" xmlns="" id="{3DFCADB8-9A57-48F0-903E-38A33DEE2ADC}"/>
               </a:ext>
             </a:extLst>
           </p:cNvPr>
@@ -10734,7 +10586,7 @@
           <p:cNvPr id="8" name="Picture 6">
             <a:extLst>
               <a:ext uri="{FF2B5EF4-FFF2-40B4-BE49-F238E27FC236}">
-                <a16:creationId xmlns:a16="http://schemas.microsoft.com/office/drawing/2014/main" id="{CA847489-CDB5-4FB4-8579-99F46390C41D}"/>
+                <a16:creationId xmlns:a16="http://schemas.microsoft.com/office/drawing/2014/main" xmlns="" id="{CA847489-CDB5-4FB4-8579-99F46390C41D}"/>
               </a:ext>
             </a:extLst>
           </p:cNvPr>
@@ -10747,7 +10599,7 @@
           <a:blip r:embed="rId2">
             <a:extLst>
               <a:ext uri="{28A0092B-C50C-407E-A947-70E740481C1C}">
-                <a14:useLocalDpi xmlns:a14="http://schemas.microsoft.com/office/drawing/2010/main" val="0"/>
+                <a14:useLocalDpi xmlns:a14="http://schemas.microsoft.com/office/drawing/2010/main" xmlns="" val="0"/>
               </a:ext>
             </a:extLst>
           </a:blip>
@@ -10770,14 +10622,14 @@
           </a:ln>
           <a:extLst>
             <a:ext uri="{909E8E84-426E-40DD-AFC4-6F175D3DCCD1}">
-              <a14:hiddenFill xmlns:a14="http://schemas.microsoft.com/office/drawing/2010/main">
+              <a14:hiddenFill xmlns:a14="http://schemas.microsoft.com/office/drawing/2010/main" xmlns="">
                 <a:solidFill>
                   <a:srgbClr val="FFFFFF"/>
                 </a:solidFill>
               </a14:hiddenFill>
             </a:ext>
             <a:ext uri="{91240B29-F687-4F45-9708-019B960494DF}">
-              <a14:hiddenLine xmlns:a14="http://schemas.microsoft.com/office/drawing/2010/main" w="9525">
+              <a14:hiddenLine xmlns:a14="http://schemas.microsoft.com/office/drawing/2010/main" xmlns="" w="9525">
                 <a:solidFill>
                   <a:srgbClr val="000000"/>
                 </a:solidFill>
@@ -10792,7 +10644,7 @@
     </p:spTree>
     <p:extLst>
       <p:ext uri="{BB962C8B-B14F-4D97-AF65-F5344CB8AC3E}">
-        <p14:creationId xmlns:p14="http://schemas.microsoft.com/office/powerpoint/2010/main" val="4198276298"/>
+        <p14:creationId xmlns:p14="http://schemas.microsoft.com/office/powerpoint/2010/main" xmlns="" val="4198276298"/>
       </p:ext>
     </p:extLst>
   </p:cSld>
@@ -10881,28 +10733,6 @@
       </p:sp>
       <p:sp>
         <p:nvSpPr>
-          <p:cNvPr id="6" name="Date Placeholder 5"/>
-          <p:cNvSpPr>
-            <a:spLocks noGrp="1"/>
-          </p:cNvSpPr>
-          <p:nvPr>
-            <p:ph type="dt" sz="half" idx="2"/>
-          </p:nvPr>
-        </p:nvSpPr>
-        <p:spPr/>
-        <p:txBody>
-          <a:bodyPr/>
-          <a:lstStyle/>
-          <a:p>
-            <a:r>
-              <a:rPr lang="en-CA" dirty="0"/>
-              <a:t>Winter 2022</a:t>
-            </a:r>
-          </a:p>
-        </p:txBody>
-      </p:sp>
-      <p:sp>
-        <p:nvSpPr>
           <p:cNvPr id="10" name="Footer Placeholder 9"/>
           <p:cNvSpPr>
             <a:spLocks noGrp="1"/>
@@ -10955,7 +10785,7 @@
           <p:cNvPr id="7" name="Text Box 4">
             <a:extLst>
               <a:ext uri="{FF2B5EF4-FFF2-40B4-BE49-F238E27FC236}">
-                <a16:creationId xmlns:a16="http://schemas.microsoft.com/office/drawing/2014/main" id="{3A54B021-3BD9-4DC7-BC26-616A2265A157}"/>
+                <a16:creationId xmlns:a16="http://schemas.microsoft.com/office/drawing/2014/main" xmlns="" id="{3A54B021-3BD9-4DC7-BC26-616A2265A157}"/>
               </a:ext>
             </a:extLst>
           </p:cNvPr>
@@ -10978,14 +10808,14 @@
           </a:ln>
           <a:extLst>
             <a:ext uri="{909E8E84-426E-40DD-AFC4-6F175D3DCCD1}">
-              <a14:hiddenFill xmlns:a14="http://schemas.microsoft.com/office/drawing/2010/main">
+              <a14:hiddenFill xmlns:a14="http://schemas.microsoft.com/office/drawing/2010/main" xmlns="">
                 <a:solidFill>
                   <a:srgbClr val="FFFFFF"/>
                 </a:solidFill>
               </a14:hiddenFill>
             </a:ext>
             <a:ext uri="{91240B29-F687-4F45-9708-019B960494DF}">
-              <a14:hiddenLine xmlns:a14="http://schemas.microsoft.com/office/drawing/2010/main" w="9525">
+              <a14:hiddenLine xmlns:a14="http://schemas.microsoft.com/office/drawing/2010/main" xmlns="" w="9525">
                 <a:solidFill>
                   <a:srgbClr val="000000"/>
                 </a:solidFill>
@@ -11499,7 +11329,7 @@
           <p:cNvPr id="8" name="Line 8">
             <a:extLst>
               <a:ext uri="{FF2B5EF4-FFF2-40B4-BE49-F238E27FC236}">
-                <a16:creationId xmlns:a16="http://schemas.microsoft.com/office/drawing/2014/main" id="{18246DF1-C90F-4E3B-ADEE-9AE1D901AEB3}"/>
+                <a16:creationId xmlns:a16="http://schemas.microsoft.com/office/drawing/2014/main" xmlns="" id="{18246DF1-C90F-4E3B-ADEE-9AE1D901AEB3}"/>
               </a:ext>
             </a:extLst>
           </p:cNvPr>
@@ -11527,7 +11357,7 @@
           </a:ln>
           <a:extLst>
             <a:ext uri="{909E8E84-426E-40DD-AFC4-6F175D3DCCD1}">
-              <a14:hiddenFill xmlns:a14="http://schemas.microsoft.com/office/drawing/2010/main">
+              <a14:hiddenFill xmlns:a14="http://schemas.microsoft.com/office/drawing/2010/main" xmlns="">
                 <a:noFill/>
               </a14:hiddenFill>
             </a:ext>
@@ -11546,7 +11376,7 @@
           <p:cNvPr id="9" name="Rectangle 11">
             <a:extLst>
               <a:ext uri="{FF2B5EF4-FFF2-40B4-BE49-F238E27FC236}">
-                <a16:creationId xmlns:a16="http://schemas.microsoft.com/office/drawing/2014/main" id="{3B5B8B2D-AE7B-4B42-AF62-6763D62CE6A1}"/>
+                <a16:creationId xmlns:a16="http://schemas.microsoft.com/office/drawing/2014/main" xmlns="" id="{3B5B8B2D-AE7B-4B42-AF62-6763D62CE6A1}"/>
               </a:ext>
             </a:extLst>
           </p:cNvPr>
@@ -11574,7 +11404,7 @@
           </a:ln>
           <a:extLst>
             <a:ext uri="{909E8E84-426E-40DD-AFC4-6F175D3DCCD1}">
-              <a14:hiddenFill xmlns:a14="http://schemas.microsoft.com/office/drawing/2010/main">
+              <a14:hiddenFill xmlns:a14="http://schemas.microsoft.com/office/drawing/2010/main" xmlns="">
                 <a:solidFill>
                   <a:srgbClr val="FFFFFF"/>
                 </a:solidFill>
@@ -11701,7 +11531,7 @@
           <p:cNvPr id="11" name="Rectangle 12">
             <a:extLst>
               <a:ext uri="{FF2B5EF4-FFF2-40B4-BE49-F238E27FC236}">
-                <a16:creationId xmlns:a16="http://schemas.microsoft.com/office/drawing/2014/main" id="{1C5AD877-8BC7-4135-94A7-221BCFE3140A}"/>
+                <a16:creationId xmlns:a16="http://schemas.microsoft.com/office/drawing/2014/main" xmlns="" id="{1C5AD877-8BC7-4135-94A7-221BCFE3140A}"/>
               </a:ext>
             </a:extLst>
           </p:cNvPr>
@@ -11849,7 +11679,7 @@
           <p:cNvPr id="13" name="AutoShape 13">
             <a:extLst>
               <a:ext uri="{FF2B5EF4-FFF2-40B4-BE49-F238E27FC236}">
-                <a16:creationId xmlns:a16="http://schemas.microsoft.com/office/drawing/2014/main" id="{19A4922C-BC77-4D96-A462-4CD4F11DCB2A}"/>
+                <a16:creationId xmlns:a16="http://schemas.microsoft.com/office/drawing/2014/main" xmlns="" id="{19A4922C-BC77-4D96-A462-4CD4F11DCB2A}"/>
               </a:ext>
             </a:extLst>
           </p:cNvPr>
@@ -11879,7 +11709,7 @@
           </a:ln>
           <a:extLst>
             <a:ext uri="{909E8E84-426E-40DD-AFC4-6F175D3DCCD1}">
-              <a14:hiddenFill xmlns:a14="http://schemas.microsoft.com/office/drawing/2010/main">
+              <a14:hiddenFill xmlns:a14="http://schemas.microsoft.com/office/drawing/2010/main" xmlns="">
                 <a:solidFill>
                   <a:srgbClr val="FFFFFF"/>
                 </a:solidFill>
@@ -12006,7 +11836,7 @@
           <p:cNvPr id="14" name="AutoShape 14">
             <a:extLst>
               <a:ext uri="{FF2B5EF4-FFF2-40B4-BE49-F238E27FC236}">
-                <a16:creationId xmlns:a16="http://schemas.microsoft.com/office/drawing/2014/main" id="{88482662-E5F4-4006-954B-CEB681A29AB4}"/>
+                <a16:creationId xmlns:a16="http://schemas.microsoft.com/office/drawing/2014/main" xmlns="" id="{88482662-E5F4-4006-954B-CEB681A29AB4}"/>
               </a:ext>
             </a:extLst>
           </p:cNvPr>
@@ -12156,7 +11986,7 @@
           <p:cNvPr id="15" name="Oval 15">
             <a:extLst>
               <a:ext uri="{FF2B5EF4-FFF2-40B4-BE49-F238E27FC236}">
-                <a16:creationId xmlns:a16="http://schemas.microsoft.com/office/drawing/2014/main" id="{999953FC-3652-4168-B581-81BE7F131AFE}"/>
+                <a16:creationId xmlns:a16="http://schemas.microsoft.com/office/drawing/2014/main" xmlns="" id="{999953FC-3652-4168-B581-81BE7F131AFE}"/>
               </a:ext>
             </a:extLst>
           </p:cNvPr>
@@ -12184,7 +12014,7 @@
           </a:ln>
           <a:extLst>
             <a:ext uri="{909E8E84-426E-40DD-AFC4-6F175D3DCCD1}">
-              <a14:hiddenFill xmlns:a14="http://schemas.microsoft.com/office/drawing/2010/main">
+              <a14:hiddenFill xmlns:a14="http://schemas.microsoft.com/office/drawing/2010/main" xmlns="">
                 <a:solidFill>
                   <a:srgbClr val="FFFFFF"/>
                 </a:solidFill>
@@ -12311,7 +12141,7 @@
           <p:cNvPr id="16" name="Oval 16">
             <a:extLst>
               <a:ext uri="{FF2B5EF4-FFF2-40B4-BE49-F238E27FC236}">
-                <a16:creationId xmlns:a16="http://schemas.microsoft.com/office/drawing/2014/main" id="{76C29EF2-3E3E-4B7A-8F80-0CBDB1A0C50F}"/>
+                <a16:creationId xmlns:a16="http://schemas.microsoft.com/office/drawing/2014/main" xmlns="" id="{76C29EF2-3E3E-4B7A-8F80-0CBDB1A0C50F}"/>
               </a:ext>
             </a:extLst>
           </p:cNvPr>
@@ -12459,7 +12289,7 @@
           <p:cNvPr id="17" name="Oval 17">
             <a:extLst>
               <a:ext uri="{FF2B5EF4-FFF2-40B4-BE49-F238E27FC236}">
-                <a16:creationId xmlns:a16="http://schemas.microsoft.com/office/drawing/2014/main" id="{1C906E62-A935-4923-B516-88D3528BA9C1}"/>
+                <a16:creationId xmlns:a16="http://schemas.microsoft.com/office/drawing/2014/main" xmlns="" id="{1C906E62-A935-4923-B516-88D3528BA9C1}"/>
               </a:ext>
             </a:extLst>
           </p:cNvPr>
@@ -12487,7 +12317,7 @@
           </a:ln>
           <a:extLst>
             <a:ext uri="{909E8E84-426E-40DD-AFC4-6F175D3DCCD1}">
-              <a14:hiddenFill xmlns:a14="http://schemas.microsoft.com/office/drawing/2010/main">
+              <a14:hiddenFill xmlns:a14="http://schemas.microsoft.com/office/drawing/2010/main" xmlns="">
                 <a:solidFill>
                   <a:srgbClr val="FFFFFF"/>
                 </a:solidFill>
@@ -12614,7 +12444,7 @@
           <p:cNvPr id="18" name="Rectangle 18">
             <a:extLst>
               <a:ext uri="{FF2B5EF4-FFF2-40B4-BE49-F238E27FC236}">
-                <a16:creationId xmlns:a16="http://schemas.microsoft.com/office/drawing/2014/main" id="{622E4F8D-8B2B-4EEA-8AC4-8E1FDB65CBEF}"/>
+                <a16:creationId xmlns:a16="http://schemas.microsoft.com/office/drawing/2014/main" xmlns="" id="{622E4F8D-8B2B-4EEA-8AC4-8E1FDB65CBEF}"/>
               </a:ext>
             </a:extLst>
           </p:cNvPr>
@@ -12639,7 +12469,7 @@
           </a:ln>
           <a:extLst>
             <a:ext uri="{91240B29-F687-4F45-9708-019B960494DF}">
-              <a14:hiddenLine xmlns:a14="http://schemas.microsoft.com/office/drawing/2010/main" w="9525">
+              <a14:hiddenLine xmlns:a14="http://schemas.microsoft.com/office/drawing/2010/main" xmlns="" w="9525">
                 <a:solidFill>
                   <a:srgbClr val="000000"/>
                 </a:solidFill>
@@ -12769,7 +12599,7 @@
           <p:cNvPr id="19" name="Rectangle 19">
             <a:extLst>
               <a:ext uri="{FF2B5EF4-FFF2-40B4-BE49-F238E27FC236}">
-                <a16:creationId xmlns:a16="http://schemas.microsoft.com/office/drawing/2014/main" id="{32D8932F-C9CC-4E80-B97F-BF79DF658035}"/>
+                <a16:creationId xmlns:a16="http://schemas.microsoft.com/office/drawing/2014/main" xmlns="" id="{32D8932F-C9CC-4E80-B97F-BF79DF658035}"/>
               </a:ext>
             </a:extLst>
           </p:cNvPr>
@@ -12794,7 +12624,7 @@
           </a:ln>
           <a:extLst>
             <a:ext uri="{91240B29-F687-4F45-9708-019B960494DF}">
-              <a14:hiddenLine xmlns:a14="http://schemas.microsoft.com/office/drawing/2010/main" w="9525">
+              <a14:hiddenLine xmlns:a14="http://schemas.microsoft.com/office/drawing/2010/main" xmlns="" w="9525">
                 <a:solidFill>
                   <a:srgbClr val="000000"/>
                 </a:solidFill>
@@ -12922,7 +12752,7 @@
     </p:spTree>
     <p:extLst>
       <p:ext uri="{BB962C8B-B14F-4D97-AF65-F5344CB8AC3E}">
-        <p14:creationId xmlns:p14="http://schemas.microsoft.com/office/powerpoint/2010/main" val="668752758"/>
+        <p14:creationId xmlns:p14="http://schemas.microsoft.com/office/powerpoint/2010/main" xmlns="" val="668752758"/>
       </p:ext>
     </p:extLst>
   </p:cSld>
@@ -13009,28 +12839,6 @@
       </p:sp>
       <p:sp>
         <p:nvSpPr>
-          <p:cNvPr id="6" name="Date Placeholder 5"/>
-          <p:cNvSpPr>
-            <a:spLocks noGrp="1"/>
-          </p:cNvSpPr>
-          <p:nvPr>
-            <p:ph type="dt" sz="half" idx="2"/>
-          </p:nvPr>
-        </p:nvSpPr>
-        <p:spPr/>
-        <p:txBody>
-          <a:bodyPr/>
-          <a:lstStyle/>
-          <a:p>
-            <a:r>
-              <a:rPr lang="en-CA" dirty="0"/>
-              <a:t>Winter 2022</a:t>
-            </a:r>
-          </a:p>
-        </p:txBody>
-      </p:sp>
-      <p:sp>
-        <p:nvSpPr>
           <p:cNvPr id="10" name="Footer Placeholder 9"/>
           <p:cNvSpPr>
             <a:spLocks noGrp="1"/>
@@ -13083,7 +12891,7 @@
           <p:cNvPr id="22" name="Text Box 20">
             <a:extLst>
               <a:ext uri="{FF2B5EF4-FFF2-40B4-BE49-F238E27FC236}">
-                <a16:creationId xmlns:a16="http://schemas.microsoft.com/office/drawing/2014/main" id="{2F2ADAE0-23F9-418F-B635-20FDD251F5B9}"/>
+                <a16:creationId xmlns:a16="http://schemas.microsoft.com/office/drawing/2014/main" xmlns="" id="{2F2ADAE0-23F9-418F-B635-20FDD251F5B9}"/>
               </a:ext>
             </a:extLst>
           </p:cNvPr>
@@ -13108,7 +12916,7 @@
           </a:ln>
           <a:extLst>
             <a:ext uri="{91240B29-F687-4F45-9708-019B960494DF}">
-              <a14:hiddenLine xmlns:a14="http://schemas.microsoft.com/office/drawing/2010/main" w="9525">
+              <a14:hiddenLine xmlns:a14="http://schemas.microsoft.com/office/drawing/2010/main" xmlns="" w="9525">
                 <a:solidFill>
                   <a:srgbClr val="000000"/>
                 </a:solidFill>
@@ -13317,7 +13125,7 @@
           <p:cNvPr id="23" name="Text Box 3">
             <a:extLst>
               <a:ext uri="{FF2B5EF4-FFF2-40B4-BE49-F238E27FC236}">
-                <a16:creationId xmlns:a16="http://schemas.microsoft.com/office/drawing/2014/main" id="{00BBA82A-FAF6-43BE-8CA6-92731A069924}"/>
+                <a16:creationId xmlns:a16="http://schemas.microsoft.com/office/drawing/2014/main" xmlns="" id="{00BBA82A-FAF6-43BE-8CA6-92731A069924}"/>
               </a:ext>
             </a:extLst>
           </p:cNvPr>
@@ -13340,14 +13148,14 @@
           </a:ln>
           <a:extLst>
             <a:ext uri="{909E8E84-426E-40DD-AFC4-6F175D3DCCD1}">
-              <a14:hiddenFill xmlns:a14="http://schemas.microsoft.com/office/drawing/2010/main">
+              <a14:hiddenFill xmlns:a14="http://schemas.microsoft.com/office/drawing/2010/main" xmlns="">
                 <a:solidFill>
                   <a:srgbClr val="FFFFFF"/>
                 </a:solidFill>
               </a14:hiddenFill>
             </a:ext>
             <a:ext uri="{91240B29-F687-4F45-9708-019B960494DF}">
-              <a14:hiddenLine xmlns:a14="http://schemas.microsoft.com/office/drawing/2010/main" w="9525">
+              <a14:hiddenLine xmlns:a14="http://schemas.microsoft.com/office/drawing/2010/main" xmlns="" w="9525">
                 <a:solidFill>
                   <a:srgbClr val="000000"/>
                 </a:solidFill>
@@ -13905,7 +13713,7 @@
           <p:cNvPr id="24" name="AutoShape 14">
             <a:extLst>
               <a:ext uri="{FF2B5EF4-FFF2-40B4-BE49-F238E27FC236}">
-                <a16:creationId xmlns:a16="http://schemas.microsoft.com/office/drawing/2014/main" id="{101877C6-4D4C-4FD4-BF7A-3E62580059AD}"/>
+                <a16:creationId xmlns:a16="http://schemas.microsoft.com/office/drawing/2014/main" xmlns="" id="{101877C6-4D4C-4FD4-BF7A-3E62580059AD}"/>
               </a:ext>
             </a:extLst>
           </p:cNvPr>
@@ -13936,7 +13744,7 @@
           </a:ln>
           <a:extLst>
             <a:ext uri="{909E8E84-426E-40DD-AFC4-6F175D3DCCD1}">
-              <a14:hiddenFill xmlns:a14="http://schemas.microsoft.com/office/drawing/2010/main">
+              <a14:hiddenFill xmlns:a14="http://schemas.microsoft.com/office/drawing/2010/main" xmlns="">
                 <a:solidFill>
                   <a:srgbClr val="FFFFFF"/>
                 </a:solidFill>
@@ -14092,7 +13900,7 @@
           <p:cNvPr id="25" name="AutoShape 15">
             <a:extLst>
               <a:ext uri="{FF2B5EF4-FFF2-40B4-BE49-F238E27FC236}">
-                <a16:creationId xmlns:a16="http://schemas.microsoft.com/office/drawing/2014/main" id="{CED22616-B2D3-48A8-81E3-305854AD030C}"/>
+                <a16:creationId xmlns:a16="http://schemas.microsoft.com/office/drawing/2014/main" xmlns="" id="{CED22616-B2D3-48A8-81E3-305854AD030C}"/>
               </a:ext>
             </a:extLst>
           </p:cNvPr>
@@ -14272,7 +14080,7 @@
           <p:cNvPr id="26" name="AutoShape 16">
             <a:extLst>
               <a:ext uri="{FF2B5EF4-FFF2-40B4-BE49-F238E27FC236}">
-                <a16:creationId xmlns:a16="http://schemas.microsoft.com/office/drawing/2014/main" id="{ADCFCF93-5D0E-4A2F-98EB-BE24AAC31F64}"/>
+                <a16:creationId xmlns:a16="http://schemas.microsoft.com/office/drawing/2014/main" xmlns="" id="{ADCFCF93-5D0E-4A2F-98EB-BE24AAC31F64}"/>
               </a:ext>
             </a:extLst>
           </p:cNvPr>
@@ -14303,7 +14111,7 @@
           </a:ln>
           <a:extLst>
             <a:ext uri="{909E8E84-426E-40DD-AFC4-6F175D3DCCD1}">
-              <a14:hiddenFill xmlns:a14="http://schemas.microsoft.com/office/drawing/2010/main">
+              <a14:hiddenFill xmlns:a14="http://schemas.microsoft.com/office/drawing/2010/main" xmlns="">
                 <a:solidFill>
                   <a:srgbClr val="FFFFFF"/>
                 </a:solidFill>
@@ -14459,7 +14267,7 @@
           <p:cNvPr id="27" name="Rectangle 17">
             <a:extLst>
               <a:ext uri="{FF2B5EF4-FFF2-40B4-BE49-F238E27FC236}">
-                <a16:creationId xmlns:a16="http://schemas.microsoft.com/office/drawing/2014/main" id="{ED0F6459-BDB6-44B6-BDFE-E088CDE97962}"/>
+                <a16:creationId xmlns:a16="http://schemas.microsoft.com/office/drawing/2014/main" xmlns="" id="{ED0F6459-BDB6-44B6-BDFE-E088CDE97962}"/>
               </a:ext>
             </a:extLst>
           </p:cNvPr>
@@ -14484,7 +14292,7 @@
           </a:ln>
           <a:extLst>
             <a:ext uri="{91240B29-F687-4F45-9708-019B960494DF}">
-              <a14:hiddenLine xmlns:a14="http://schemas.microsoft.com/office/drawing/2010/main" w="9525">
+              <a14:hiddenLine xmlns:a14="http://schemas.microsoft.com/office/drawing/2010/main" xmlns="" w="9525">
                 <a:solidFill>
                   <a:srgbClr val="000000"/>
                 </a:solidFill>
@@ -14643,7 +14451,7 @@
           <p:cNvPr id="28" name="Text Box 18">
             <a:extLst>
               <a:ext uri="{FF2B5EF4-FFF2-40B4-BE49-F238E27FC236}">
-                <a16:creationId xmlns:a16="http://schemas.microsoft.com/office/drawing/2014/main" id="{45E5D374-84E5-48AE-AEA4-5FB6FC7A97B0}"/>
+                <a16:creationId xmlns:a16="http://schemas.microsoft.com/office/drawing/2014/main" xmlns="" id="{45E5D374-84E5-48AE-AEA4-5FB6FC7A97B0}"/>
               </a:ext>
             </a:extLst>
           </p:cNvPr>
@@ -14666,14 +14474,14 @@
           </a:ln>
           <a:extLst>
             <a:ext uri="{909E8E84-426E-40DD-AFC4-6F175D3DCCD1}">
-              <a14:hiddenFill xmlns:a14="http://schemas.microsoft.com/office/drawing/2010/main">
+              <a14:hiddenFill xmlns:a14="http://schemas.microsoft.com/office/drawing/2010/main" xmlns="">
                 <a:solidFill>
                   <a:srgbClr val="FFFFFF"/>
                 </a:solidFill>
               </a14:hiddenFill>
             </a:ext>
             <a:ext uri="{91240B29-F687-4F45-9708-019B960494DF}">
-              <a14:hiddenLine xmlns:a14="http://schemas.microsoft.com/office/drawing/2010/main" w="9525">
+              <a14:hiddenLine xmlns:a14="http://schemas.microsoft.com/office/drawing/2010/main" xmlns="" w="9525">
                 <a:solidFill>
                   <a:srgbClr val="000000"/>
                 </a:solidFill>
@@ -14850,7 +14658,7 @@
           <p:cNvPr id="29" name="Line 19">
             <a:extLst>
               <a:ext uri="{FF2B5EF4-FFF2-40B4-BE49-F238E27FC236}">
-                <a16:creationId xmlns:a16="http://schemas.microsoft.com/office/drawing/2014/main" id="{20787F44-1CB0-436F-B86D-7524E9DD4BA8}"/>
+                <a16:creationId xmlns:a16="http://schemas.microsoft.com/office/drawing/2014/main" xmlns="" id="{20787F44-1CB0-436F-B86D-7524E9DD4BA8}"/>
               </a:ext>
             </a:extLst>
           </p:cNvPr>
@@ -14878,7 +14686,7 @@
           </a:ln>
           <a:extLst>
             <a:ext uri="{909E8E84-426E-40DD-AFC4-6F175D3DCCD1}">
-              <a14:hiddenFill xmlns:a14="http://schemas.microsoft.com/office/drawing/2010/main">
+              <a14:hiddenFill xmlns:a14="http://schemas.microsoft.com/office/drawing/2010/main" xmlns="">
                 <a:noFill/>
               </a14:hiddenFill>
             </a:ext>
@@ -14911,7 +14719,7 @@
           <p:cNvPr id="30" name="Line 21">
             <a:extLst>
               <a:ext uri="{FF2B5EF4-FFF2-40B4-BE49-F238E27FC236}">
-                <a16:creationId xmlns:a16="http://schemas.microsoft.com/office/drawing/2014/main" id="{DACEAD2E-821A-4BBD-889B-A761086B7C18}"/>
+                <a16:creationId xmlns:a16="http://schemas.microsoft.com/office/drawing/2014/main" xmlns="" id="{DACEAD2E-821A-4BBD-889B-A761086B7C18}"/>
               </a:ext>
             </a:extLst>
           </p:cNvPr>
@@ -14940,7 +14748,7 @@
           </a:ln>
           <a:extLst>
             <a:ext uri="{909E8E84-426E-40DD-AFC4-6F175D3DCCD1}">
-              <a14:hiddenFill xmlns:a14="http://schemas.microsoft.com/office/drawing/2010/main">
+              <a14:hiddenFill xmlns:a14="http://schemas.microsoft.com/office/drawing/2010/main" xmlns="">
                 <a:noFill/>
               </a14:hiddenFill>
             </a:ext>
@@ -14988,7 +14796,7 @@
           <p:cNvPr id="31" name="Text Box 22">
             <a:extLst>
               <a:ext uri="{FF2B5EF4-FFF2-40B4-BE49-F238E27FC236}">
-                <a16:creationId xmlns:a16="http://schemas.microsoft.com/office/drawing/2014/main" id="{B11F752B-02C9-4896-920E-3303B79C9E19}"/>
+                <a16:creationId xmlns:a16="http://schemas.microsoft.com/office/drawing/2014/main" xmlns="" id="{B11F752B-02C9-4896-920E-3303B79C9E19}"/>
               </a:ext>
             </a:extLst>
           </p:cNvPr>
@@ -15011,14 +14819,14 @@
           </a:ln>
           <a:extLst>
             <a:ext uri="{909E8E84-426E-40DD-AFC4-6F175D3DCCD1}">
-              <a14:hiddenFill xmlns:a14="http://schemas.microsoft.com/office/drawing/2010/main">
+              <a14:hiddenFill xmlns:a14="http://schemas.microsoft.com/office/drawing/2010/main" xmlns="">
                 <a:solidFill>
                   <a:srgbClr val="FFFFFF"/>
                 </a:solidFill>
               </a14:hiddenFill>
             </a:ext>
             <a:ext uri="{91240B29-F687-4F45-9708-019B960494DF}">
-              <a14:hiddenLine xmlns:a14="http://schemas.microsoft.com/office/drawing/2010/main" w="9525">
+              <a14:hiddenLine xmlns:a14="http://schemas.microsoft.com/office/drawing/2010/main" xmlns="" w="9525">
                 <a:solidFill>
                   <a:srgbClr val="000000"/>
                 </a:solidFill>
@@ -15196,7 +15004,7 @@
           <p:cNvPr id="32" name="Text Box 23">
             <a:extLst>
               <a:ext uri="{FF2B5EF4-FFF2-40B4-BE49-F238E27FC236}">
-                <a16:creationId xmlns:a16="http://schemas.microsoft.com/office/drawing/2014/main" id="{25EB3EA6-8E7B-470B-B014-72419DA4A35A}"/>
+                <a16:creationId xmlns:a16="http://schemas.microsoft.com/office/drawing/2014/main" xmlns="" id="{25EB3EA6-8E7B-470B-B014-72419DA4A35A}"/>
               </a:ext>
             </a:extLst>
           </p:cNvPr>
@@ -15221,7 +15029,7 @@
           </a:ln>
           <a:extLst>
             <a:ext uri="{91240B29-F687-4F45-9708-019B960494DF}">
-              <a14:hiddenLine xmlns:a14="http://schemas.microsoft.com/office/drawing/2010/main" w="9525">
+              <a14:hiddenLine xmlns:a14="http://schemas.microsoft.com/office/drawing/2010/main" xmlns="" w="9525">
                 <a:solidFill>
                   <a:srgbClr val="000000"/>
                 </a:solidFill>
@@ -15414,7 +15222,7 @@
           <p:cNvPr id="33" name="Line 24">
             <a:extLst>
               <a:ext uri="{FF2B5EF4-FFF2-40B4-BE49-F238E27FC236}">
-                <a16:creationId xmlns:a16="http://schemas.microsoft.com/office/drawing/2014/main" id="{50219640-99B3-4D50-BA0F-3EE22AF1FE43}"/>
+                <a16:creationId xmlns:a16="http://schemas.microsoft.com/office/drawing/2014/main" xmlns="" id="{50219640-99B3-4D50-BA0F-3EE22AF1FE43}"/>
               </a:ext>
             </a:extLst>
           </p:cNvPr>
@@ -15442,7 +15250,7 @@
           </a:ln>
           <a:extLst>
             <a:ext uri="{909E8E84-426E-40DD-AFC4-6F175D3DCCD1}">
-              <a14:hiddenFill xmlns:a14="http://schemas.microsoft.com/office/drawing/2010/main">
+              <a14:hiddenFill xmlns:a14="http://schemas.microsoft.com/office/drawing/2010/main" xmlns="">
                 <a:noFill/>
               </a14:hiddenFill>
             </a:ext>
@@ -15475,7 +15283,7 @@
           <p:cNvPr id="34" name="Line 25">
             <a:extLst>
               <a:ext uri="{FF2B5EF4-FFF2-40B4-BE49-F238E27FC236}">
-                <a16:creationId xmlns:a16="http://schemas.microsoft.com/office/drawing/2014/main" id="{F59DD12C-043D-4F7B-8D93-20FEAA7D8541}"/>
+                <a16:creationId xmlns:a16="http://schemas.microsoft.com/office/drawing/2014/main" xmlns="" id="{F59DD12C-043D-4F7B-8D93-20FEAA7D8541}"/>
               </a:ext>
             </a:extLst>
           </p:cNvPr>
@@ -15503,7 +15311,7 @@
           </a:ln>
           <a:extLst>
             <a:ext uri="{909E8E84-426E-40DD-AFC4-6F175D3DCCD1}">
-              <a14:hiddenFill xmlns:a14="http://schemas.microsoft.com/office/drawing/2010/main">
+              <a14:hiddenFill xmlns:a14="http://schemas.microsoft.com/office/drawing/2010/main" xmlns="">
                 <a:noFill/>
               </a14:hiddenFill>
             </a:ext>
@@ -15534,7 +15342,7 @@
     </p:spTree>
     <p:extLst>
       <p:ext uri="{BB962C8B-B14F-4D97-AF65-F5344CB8AC3E}">
-        <p14:creationId xmlns:p14="http://schemas.microsoft.com/office/powerpoint/2010/main" val="132232297"/>
+        <p14:creationId xmlns:p14="http://schemas.microsoft.com/office/powerpoint/2010/main" xmlns="" val="132232297"/>
       </p:ext>
     </p:extLst>
   </p:cSld>
@@ -15623,28 +15431,6 @@
       </p:sp>
       <p:sp>
         <p:nvSpPr>
-          <p:cNvPr id="6" name="Date Placeholder 5"/>
-          <p:cNvSpPr>
-            <a:spLocks noGrp="1"/>
-          </p:cNvSpPr>
-          <p:nvPr>
-            <p:ph type="dt" sz="half" idx="2"/>
-          </p:nvPr>
-        </p:nvSpPr>
-        <p:spPr/>
-        <p:txBody>
-          <a:bodyPr/>
-          <a:lstStyle/>
-          <a:p>
-            <a:r>
-              <a:rPr lang="en-CA" dirty="0"/>
-              <a:t>Winter 2022</a:t>
-            </a:r>
-          </a:p>
-        </p:txBody>
-      </p:sp>
-      <p:sp>
-        <p:nvSpPr>
           <p:cNvPr id="10" name="Footer Placeholder 9"/>
           <p:cNvSpPr>
             <a:spLocks noGrp="1"/>
@@ -15697,7 +15483,7 @@
           <p:cNvPr id="16" name="Text Box 4">
             <a:extLst>
               <a:ext uri="{FF2B5EF4-FFF2-40B4-BE49-F238E27FC236}">
-                <a16:creationId xmlns:a16="http://schemas.microsoft.com/office/drawing/2014/main" id="{AFBFA2A7-8A40-4F0D-855F-CEF8ED56446D}"/>
+                <a16:creationId xmlns:a16="http://schemas.microsoft.com/office/drawing/2014/main" xmlns="" id="{AFBFA2A7-8A40-4F0D-855F-CEF8ED56446D}"/>
               </a:ext>
             </a:extLst>
           </p:cNvPr>
@@ -15720,14 +15506,14 @@
           </a:ln>
           <a:extLst>
             <a:ext uri="{909E8E84-426E-40DD-AFC4-6F175D3DCCD1}">
-              <a14:hiddenFill xmlns:a14="http://schemas.microsoft.com/office/drawing/2010/main">
+              <a14:hiddenFill xmlns:a14="http://schemas.microsoft.com/office/drawing/2010/main" xmlns="">
                 <a:solidFill>
                   <a:srgbClr val="FFFFFF"/>
                 </a:solidFill>
               </a14:hiddenFill>
             </a:ext>
             <a:ext uri="{91240B29-F687-4F45-9708-019B960494DF}">
-              <a14:hiddenLine xmlns:a14="http://schemas.microsoft.com/office/drawing/2010/main" w="9525">
+              <a14:hiddenLine xmlns:a14="http://schemas.microsoft.com/office/drawing/2010/main" xmlns="" w="9525">
                 <a:solidFill>
                   <a:srgbClr val="000000"/>
                 </a:solidFill>
@@ -15978,7 +15764,7 @@
           <p:cNvPr id="17" name="Text Box 13">
             <a:extLst>
               <a:ext uri="{FF2B5EF4-FFF2-40B4-BE49-F238E27FC236}">
-                <a16:creationId xmlns:a16="http://schemas.microsoft.com/office/drawing/2014/main" id="{586D7293-13CD-4CFD-90A6-D6523A040ADF}"/>
+                <a16:creationId xmlns:a16="http://schemas.microsoft.com/office/drawing/2014/main" xmlns="" id="{586D7293-13CD-4CFD-90A6-D6523A040ADF}"/>
               </a:ext>
             </a:extLst>
           </p:cNvPr>
@@ -16003,7 +15789,7 @@
           </a:ln>
           <a:extLst>
             <a:ext uri="{91240B29-F687-4F45-9708-019B960494DF}">
-              <a14:hiddenLine xmlns:a14="http://schemas.microsoft.com/office/drawing/2010/main" w="9525">
+              <a14:hiddenLine xmlns:a14="http://schemas.microsoft.com/office/drawing/2010/main" xmlns="" w="9525">
                 <a:solidFill>
                   <a:srgbClr val="000000"/>
                 </a:solidFill>
@@ -16423,7 +16209,7 @@
           <p:cNvPr id="18" name="Text Box 14">
             <a:extLst>
               <a:ext uri="{FF2B5EF4-FFF2-40B4-BE49-F238E27FC236}">
-                <a16:creationId xmlns:a16="http://schemas.microsoft.com/office/drawing/2014/main" id="{FFE3AE0C-0D97-4157-8BFE-675410155519}"/>
+                <a16:creationId xmlns:a16="http://schemas.microsoft.com/office/drawing/2014/main" xmlns="" id="{FFE3AE0C-0D97-4157-8BFE-675410155519}"/>
               </a:ext>
             </a:extLst>
           </p:cNvPr>
@@ -16448,7 +16234,7 @@
           </a:ln>
           <a:extLst>
             <a:ext uri="{91240B29-F687-4F45-9708-019B960494DF}">
-              <a14:hiddenLine xmlns:a14="http://schemas.microsoft.com/office/drawing/2010/main" w="9525">
+              <a14:hiddenLine xmlns:a14="http://schemas.microsoft.com/office/drawing/2010/main" xmlns="" w="9525">
                 <a:solidFill>
                   <a:srgbClr val="000000"/>
                 </a:solidFill>
@@ -16682,7 +16468,7 @@
           <p:cNvPr id="19" name="Text Box 15">
             <a:extLst>
               <a:ext uri="{FF2B5EF4-FFF2-40B4-BE49-F238E27FC236}">
-                <a16:creationId xmlns:a16="http://schemas.microsoft.com/office/drawing/2014/main" id="{B743A79E-417B-4A0B-AFC3-B2C8DDC790EC}"/>
+                <a16:creationId xmlns:a16="http://schemas.microsoft.com/office/drawing/2014/main" xmlns="" id="{B743A79E-417B-4A0B-AFC3-B2C8DDC790EC}"/>
               </a:ext>
             </a:extLst>
           </p:cNvPr>
@@ -16707,7 +16493,7 @@
           </a:ln>
           <a:extLst>
             <a:ext uri="{91240B29-F687-4F45-9708-019B960494DF}">
-              <a14:hiddenLine xmlns:a14="http://schemas.microsoft.com/office/drawing/2010/main" w="9525">
+              <a14:hiddenLine xmlns:a14="http://schemas.microsoft.com/office/drawing/2010/main" xmlns="" w="9525">
                 <a:solidFill>
                   <a:srgbClr val="000000"/>
                 </a:solidFill>
@@ -16871,7 +16657,7 @@
           <p:cNvPr id="20" name="Line 16">
             <a:extLst>
               <a:ext uri="{FF2B5EF4-FFF2-40B4-BE49-F238E27FC236}">
-                <a16:creationId xmlns:a16="http://schemas.microsoft.com/office/drawing/2014/main" id="{3F87F7E7-4F27-4EB9-875D-E7C8CD3667CA}"/>
+                <a16:creationId xmlns:a16="http://schemas.microsoft.com/office/drawing/2014/main" xmlns="" id="{3F87F7E7-4F27-4EB9-875D-E7C8CD3667CA}"/>
               </a:ext>
             </a:extLst>
           </p:cNvPr>
@@ -16899,7 +16685,7 @@
           </a:ln>
           <a:extLst>
             <a:ext uri="{909E8E84-426E-40DD-AFC4-6F175D3DCCD1}">
-              <a14:hiddenFill xmlns:a14="http://schemas.microsoft.com/office/drawing/2010/main">
+              <a14:hiddenFill xmlns:a14="http://schemas.microsoft.com/office/drawing/2010/main" xmlns="">
                 <a:noFill/>
               </a14:hiddenFill>
             </a:ext>
@@ -16932,7 +16718,7 @@
           <p:cNvPr id="21" name="Line 17">
             <a:extLst>
               <a:ext uri="{FF2B5EF4-FFF2-40B4-BE49-F238E27FC236}">
-                <a16:creationId xmlns:a16="http://schemas.microsoft.com/office/drawing/2014/main" id="{6C500579-9E46-4D3C-8FD8-C9B347413771}"/>
+                <a16:creationId xmlns:a16="http://schemas.microsoft.com/office/drawing/2014/main" xmlns="" id="{6C500579-9E46-4D3C-8FD8-C9B347413771}"/>
               </a:ext>
             </a:extLst>
           </p:cNvPr>
@@ -16960,7 +16746,7 @@
           </a:ln>
           <a:extLst>
             <a:ext uri="{909E8E84-426E-40DD-AFC4-6F175D3DCCD1}">
-              <a14:hiddenFill xmlns:a14="http://schemas.microsoft.com/office/drawing/2010/main">
+              <a14:hiddenFill xmlns:a14="http://schemas.microsoft.com/office/drawing/2010/main" xmlns="">
                 <a:noFill/>
               </a14:hiddenFill>
             </a:ext>
@@ -16993,7 +16779,7 @@
           <p:cNvPr id="22" name="Line 18">
             <a:extLst>
               <a:ext uri="{FF2B5EF4-FFF2-40B4-BE49-F238E27FC236}">
-                <a16:creationId xmlns:a16="http://schemas.microsoft.com/office/drawing/2014/main" id="{674095F1-9CC5-4062-B9D3-28053640AF53}"/>
+                <a16:creationId xmlns:a16="http://schemas.microsoft.com/office/drawing/2014/main" xmlns="" id="{674095F1-9CC5-4062-B9D3-28053640AF53}"/>
               </a:ext>
             </a:extLst>
           </p:cNvPr>
@@ -17021,7 +16807,7 @@
           </a:ln>
           <a:extLst>
             <a:ext uri="{909E8E84-426E-40DD-AFC4-6F175D3DCCD1}">
-              <a14:hiddenFill xmlns:a14="http://schemas.microsoft.com/office/drawing/2010/main">
+              <a14:hiddenFill xmlns:a14="http://schemas.microsoft.com/office/drawing/2010/main" xmlns="">
                 <a:noFill/>
               </a14:hiddenFill>
             </a:ext>
@@ -17052,7 +16838,7 @@
     </p:spTree>
     <p:extLst>
       <p:ext uri="{BB962C8B-B14F-4D97-AF65-F5344CB8AC3E}">
-        <p14:creationId xmlns:p14="http://schemas.microsoft.com/office/powerpoint/2010/main" val="2778576912"/>
+        <p14:creationId xmlns:p14="http://schemas.microsoft.com/office/powerpoint/2010/main" xmlns="" val="2778576912"/>
       </p:ext>
     </p:extLst>
   </p:cSld>
@@ -17206,28 +16992,6 @@
       </p:sp>
       <p:sp>
         <p:nvSpPr>
-          <p:cNvPr id="6" name="Date Placeholder 5"/>
-          <p:cNvSpPr>
-            <a:spLocks noGrp="1"/>
-          </p:cNvSpPr>
-          <p:nvPr>
-            <p:ph type="dt" sz="half" idx="2"/>
-          </p:nvPr>
-        </p:nvSpPr>
-        <p:spPr/>
-        <p:txBody>
-          <a:bodyPr/>
-          <a:lstStyle/>
-          <a:p>
-            <a:r>
-              <a:rPr lang="en-CA" dirty="0"/>
-              <a:t>Winter 2022</a:t>
-            </a:r>
-          </a:p>
-        </p:txBody>
-      </p:sp>
-      <p:sp>
-        <p:nvSpPr>
           <p:cNvPr id="10" name="Footer Placeholder 9"/>
           <p:cNvSpPr>
             <a:spLocks noGrp="1"/>
@@ -17278,7 +17042,7 @@
     </p:spTree>
     <p:extLst>
       <p:ext uri="{BB962C8B-B14F-4D97-AF65-F5344CB8AC3E}">
-        <p14:creationId xmlns:p14="http://schemas.microsoft.com/office/powerpoint/2010/main" val="51204498"/>
+        <p14:creationId xmlns:p14="http://schemas.microsoft.com/office/powerpoint/2010/main" xmlns="" val="51204498"/>
       </p:ext>
     </p:extLst>
   </p:cSld>
@@ -17426,28 +17190,6 @@
       </p:sp>
       <p:sp>
         <p:nvSpPr>
-          <p:cNvPr id="6" name="Date Placeholder 5"/>
-          <p:cNvSpPr>
-            <a:spLocks noGrp="1"/>
-          </p:cNvSpPr>
-          <p:nvPr>
-            <p:ph type="dt" sz="half" idx="2"/>
-          </p:nvPr>
-        </p:nvSpPr>
-        <p:spPr/>
-        <p:txBody>
-          <a:bodyPr/>
-          <a:lstStyle/>
-          <a:p>
-            <a:r>
-              <a:rPr lang="en-CA" dirty="0"/>
-              <a:t>Winter 2022</a:t>
-            </a:r>
-          </a:p>
-        </p:txBody>
-      </p:sp>
-      <p:sp>
-        <p:nvSpPr>
           <p:cNvPr id="10" name="Footer Placeholder 9"/>
           <p:cNvSpPr>
             <a:spLocks noGrp="1"/>
@@ -17500,7 +17242,7 @@
           <p:cNvPr id="11" name="Picture 4" descr="face">
             <a:extLst>
               <a:ext uri="{FF2B5EF4-FFF2-40B4-BE49-F238E27FC236}">
-                <a16:creationId xmlns:a16="http://schemas.microsoft.com/office/drawing/2014/main" id="{B0C102A6-4730-4245-AAA7-FFCE7530CB71}"/>
+                <a16:creationId xmlns:a16="http://schemas.microsoft.com/office/drawing/2014/main" xmlns="" id="{B0C102A6-4730-4245-AAA7-FFCE7530CB71}"/>
               </a:ext>
             </a:extLst>
           </p:cNvPr>
@@ -17513,7 +17255,7 @@
           <a:blip r:embed="rId2">
             <a:extLst>
               <a:ext uri="{28A0092B-C50C-407E-A947-70E740481C1C}">
-                <a14:useLocalDpi xmlns:a14="http://schemas.microsoft.com/office/drawing/2010/main" val="0"/>
+                <a14:useLocalDpi xmlns:a14="http://schemas.microsoft.com/office/drawing/2010/main" xmlns="" val="0"/>
               </a:ext>
             </a:extLst>
           </a:blip>
@@ -17536,14 +17278,14 @@
           </a:ln>
           <a:extLst>
             <a:ext uri="{909E8E84-426E-40DD-AFC4-6F175D3DCCD1}">
-              <a14:hiddenFill xmlns:a14="http://schemas.microsoft.com/office/drawing/2010/main">
+              <a14:hiddenFill xmlns:a14="http://schemas.microsoft.com/office/drawing/2010/main" xmlns="">
                 <a:solidFill>
                   <a:srgbClr val="FFFFFF"/>
                 </a:solidFill>
               </a14:hiddenFill>
             </a:ext>
             <a:ext uri="{91240B29-F687-4F45-9708-019B960494DF}">
-              <a14:hiddenLine xmlns:a14="http://schemas.microsoft.com/office/drawing/2010/main" w="9525">
+              <a14:hiddenLine xmlns:a14="http://schemas.microsoft.com/office/drawing/2010/main" xmlns="" w="9525">
                 <a:solidFill>
                   <a:srgbClr val="000000"/>
                 </a:solidFill>
@@ -17560,7 +17302,7 @@
           <p:cNvPr id="13" name="Group 12">
             <a:extLst>
               <a:ext uri="{FF2B5EF4-FFF2-40B4-BE49-F238E27FC236}">
-                <a16:creationId xmlns:a16="http://schemas.microsoft.com/office/drawing/2014/main" id="{4DA9A296-1256-4A17-9F91-95AB4F430433}"/>
+                <a16:creationId xmlns:a16="http://schemas.microsoft.com/office/drawing/2014/main" xmlns="" id="{4DA9A296-1256-4A17-9F91-95AB4F430433}"/>
               </a:ext>
             </a:extLst>
           </p:cNvPr>
@@ -17580,7 +17322,7 @@
             <p:cNvPr id="14" name="Oval 5">
               <a:extLst>
                 <a:ext uri="{FF2B5EF4-FFF2-40B4-BE49-F238E27FC236}">
-                  <a16:creationId xmlns:a16="http://schemas.microsoft.com/office/drawing/2014/main" id="{AB8555E5-A467-463D-B70D-ED40569CE7EF}"/>
+                  <a16:creationId xmlns:a16="http://schemas.microsoft.com/office/drawing/2014/main" xmlns="" id="{AB8555E5-A467-463D-B70D-ED40569CE7EF}"/>
                 </a:ext>
               </a:extLst>
             </p:cNvPr>
@@ -17608,7 +17350,7 @@
             </a:ln>
             <a:extLst>
               <a:ext uri="{909E8E84-426E-40DD-AFC4-6F175D3DCCD1}">
-                <a14:hiddenFill xmlns:a14="http://schemas.microsoft.com/office/drawing/2010/main">
+                <a14:hiddenFill xmlns:a14="http://schemas.microsoft.com/office/drawing/2010/main" xmlns="">
                   <a:solidFill>
                     <a:srgbClr val="FFFFFF"/>
                   </a:solidFill>
@@ -17735,7 +17477,7 @@
             <p:cNvPr id="15" name="Oval 6">
               <a:extLst>
                 <a:ext uri="{FF2B5EF4-FFF2-40B4-BE49-F238E27FC236}">
-                  <a16:creationId xmlns:a16="http://schemas.microsoft.com/office/drawing/2014/main" id="{1D8685B5-050E-41ED-927C-969FD1C51867}"/>
+                  <a16:creationId xmlns:a16="http://schemas.microsoft.com/office/drawing/2014/main" xmlns="" id="{1D8685B5-050E-41ED-927C-969FD1C51867}"/>
                 </a:ext>
               </a:extLst>
             </p:cNvPr>
@@ -17763,7 +17505,7 @@
             </a:ln>
             <a:extLst>
               <a:ext uri="{909E8E84-426E-40DD-AFC4-6F175D3DCCD1}">
-                <a14:hiddenFill xmlns:a14="http://schemas.microsoft.com/office/drawing/2010/main">
+                <a14:hiddenFill xmlns:a14="http://schemas.microsoft.com/office/drawing/2010/main" xmlns="">
                   <a:solidFill>
                     <a:srgbClr val="FFFFFF"/>
                   </a:solidFill>
@@ -17890,7 +17632,7 @@
             <p:cNvPr id="16" name="Oval 7">
               <a:extLst>
                 <a:ext uri="{FF2B5EF4-FFF2-40B4-BE49-F238E27FC236}">
-                  <a16:creationId xmlns:a16="http://schemas.microsoft.com/office/drawing/2014/main" id="{2E0FC534-8884-4D9E-8FEE-46F506DC0A2B}"/>
+                  <a16:creationId xmlns:a16="http://schemas.microsoft.com/office/drawing/2014/main" xmlns="" id="{2E0FC534-8884-4D9E-8FEE-46F506DC0A2B}"/>
                 </a:ext>
               </a:extLst>
             </p:cNvPr>
@@ -17918,7 +17660,7 @@
             </a:ln>
             <a:extLst>
               <a:ext uri="{909E8E84-426E-40DD-AFC4-6F175D3DCCD1}">
-                <a14:hiddenFill xmlns:a14="http://schemas.microsoft.com/office/drawing/2010/main">
+                <a14:hiddenFill xmlns:a14="http://schemas.microsoft.com/office/drawing/2010/main" xmlns="">
                   <a:solidFill>
                     <a:srgbClr val="FFFFFF"/>
                   </a:solidFill>
@@ -18045,7 +17787,7 @@
             <p:cNvPr id="17" name="Line 8">
               <a:extLst>
                 <a:ext uri="{FF2B5EF4-FFF2-40B4-BE49-F238E27FC236}">
-                  <a16:creationId xmlns:a16="http://schemas.microsoft.com/office/drawing/2014/main" id="{1C1A868A-F55E-4A2E-9BCF-83C6CB5BB2F1}"/>
+                  <a16:creationId xmlns:a16="http://schemas.microsoft.com/office/drawing/2014/main" xmlns="" id="{1C1A868A-F55E-4A2E-9BCF-83C6CB5BB2F1}"/>
                 </a:ext>
               </a:extLst>
             </p:cNvPr>
@@ -18073,7 +17815,7 @@
             </a:ln>
             <a:extLst>
               <a:ext uri="{909E8E84-426E-40DD-AFC4-6F175D3DCCD1}">
-                <a14:hiddenFill xmlns:a14="http://schemas.microsoft.com/office/drawing/2010/main">
+                <a14:hiddenFill xmlns:a14="http://schemas.microsoft.com/office/drawing/2010/main" xmlns="">
                   <a:noFill/>
                 </a14:hiddenFill>
               </a:ext>
@@ -18092,7 +17834,7 @@
             <p:cNvPr id="18" name="Arc 10">
               <a:extLst>
                 <a:ext uri="{FF2B5EF4-FFF2-40B4-BE49-F238E27FC236}">
-                  <a16:creationId xmlns:a16="http://schemas.microsoft.com/office/drawing/2014/main" id="{4B155F9F-4461-434D-883B-303F08DEC433}"/>
+                  <a16:creationId xmlns:a16="http://schemas.microsoft.com/office/drawing/2014/main" xmlns="" id="{4B155F9F-4461-434D-883B-303F08DEC433}"/>
                 </a:ext>
               </a:extLst>
             </p:cNvPr>
@@ -18184,7 +17926,7 @@
             </a:ln>
             <a:extLst>
               <a:ext uri="{909E8E84-426E-40DD-AFC4-6F175D3DCCD1}">
-                <a14:hiddenFill xmlns:a14="http://schemas.microsoft.com/office/drawing/2010/main">
+                <a14:hiddenFill xmlns:a14="http://schemas.microsoft.com/office/drawing/2010/main" xmlns="">
                   <a:solidFill>
                     <a:srgbClr val="FFFFFF"/>
                   </a:solidFill>
@@ -18311,7 +18053,7 @@
             <p:cNvPr id="19" name="Text Box 11">
               <a:extLst>
                 <a:ext uri="{FF2B5EF4-FFF2-40B4-BE49-F238E27FC236}">
-                  <a16:creationId xmlns:a16="http://schemas.microsoft.com/office/drawing/2014/main" id="{5B3AFF15-AA7C-4E4B-972A-BDF9A996DBA5}"/>
+                  <a16:creationId xmlns:a16="http://schemas.microsoft.com/office/drawing/2014/main" xmlns="" id="{5B3AFF15-AA7C-4E4B-972A-BDF9A996DBA5}"/>
                 </a:ext>
               </a:extLst>
             </p:cNvPr>
@@ -18334,14 +18076,14 @@
             </a:ln>
             <a:extLst>
               <a:ext uri="{909E8E84-426E-40DD-AFC4-6F175D3DCCD1}">
-                <a14:hiddenFill xmlns:a14="http://schemas.microsoft.com/office/drawing/2010/main">
+                <a14:hiddenFill xmlns:a14="http://schemas.microsoft.com/office/drawing/2010/main" xmlns="">
                   <a:solidFill>
                     <a:srgbClr val="FFFFFF"/>
                   </a:solidFill>
                 </a14:hiddenFill>
               </a:ext>
               <a:ext uri="{91240B29-F687-4F45-9708-019B960494DF}">
-                <a14:hiddenLine xmlns:a14="http://schemas.microsoft.com/office/drawing/2010/main" w="9525">
+                <a14:hiddenLine xmlns:a14="http://schemas.microsoft.com/office/drawing/2010/main" xmlns="" w="9525">
                   <a:solidFill>
                     <a:srgbClr val="000000"/>
                   </a:solidFill>
@@ -18487,7 +18229,7 @@
             <p:cNvPr id="20" name="Arc 12">
               <a:extLst>
                 <a:ext uri="{FF2B5EF4-FFF2-40B4-BE49-F238E27FC236}">
-                  <a16:creationId xmlns:a16="http://schemas.microsoft.com/office/drawing/2014/main" id="{4F20D20E-9A31-4123-A0F4-E50F29A3D265}"/>
+                  <a16:creationId xmlns:a16="http://schemas.microsoft.com/office/drawing/2014/main" xmlns="" id="{4F20D20E-9A31-4123-A0F4-E50F29A3D265}"/>
                 </a:ext>
               </a:extLst>
             </p:cNvPr>
@@ -18569,7 +18311,7 @@
             </a:ln>
             <a:extLst>
               <a:ext uri="{909E8E84-426E-40DD-AFC4-6F175D3DCCD1}">
-                <a14:hiddenFill xmlns:a14="http://schemas.microsoft.com/office/drawing/2010/main">
+                <a14:hiddenFill xmlns:a14="http://schemas.microsoft.com/office/drawing/2010/main" xmlns="">
                   <a:solidFill>
                     <a:srgbClr val="FFFFFF"/>
                   </a:solidFill>
@@ -18695,7 +18437,7 @@
     </p:spTree>
     <p:extLst>
       <p:ext uri="{BB962C8B-B14F-4D97-AF65-F5344CB8AC3E}">
-        <p14:creationId xmlns:p14="http://schemas.microsoft.com/office/powerpoint/2010/main" val="951659939"/>
+        <p14:creationId xmlns:p14="http://schemas.microsoft.com/office/powerpoint/2010/main" xmlns="" val="951659939"/>
       </p:ext>
     </p:extLst>
   </p:cSld>
@@ -18818,28 +18560,6 @@
       </p:sp>
       <p:sp>
         <p:nvSpPr>
-          <p:cNvPr id="6" name="Date Placeholder 5"/>
-          <p:cNvSpPr>
-            <a:spLocks noGrp="1"/>
-          </p:cNvSpPr>
-          <p:nvPr>
-            <p:ph type="dt" sz="half" idx="2"/>
-          </p:nvPr>
-        </p:nvSpPr>
-        <p:spPr/>
-        <p:txBody>
-          <a:bodyPr/>
-          <a:lstStyle/>
-          <a:p>
-            <a:r>
-              <a:rPr lang="en-CA" dirty="0"/>
-              <a:t>Winter 2022</a:t>
-            </a:r>
-          </a:p>
-        </p:txBody>
-      </p:sp>
-      <p:sp>
-        <p:nvSpPr>
           <p:cNvPr id="10" name="Footer Placeholder 9"/>
           <p:cNvSpPr>
             <a:spLocks noGrp="1"/>
@@ -18890,7 +18610,7 @@
     </p:spTree>
     <p:extLst>
       <p:ext uri="{BB962C8B-B14F-4D97-AF65-F5344CB8AC3E}">
-        <p14:creationId xmlns:p14="http://schemas.microsoft.com/office/powerpoint/2010/main" val="649184941"/>
+        <p14:creationId xmlns:p14="http://schemas.microsoft.com/office/powerpoint/2010/main" xmlns="" val="649184941"/>
       </p:ext>
     </p:extLst>
   </p:cSld>
@@ -19024,28 +18744,6 @@
       </p:sp>
       <p:sp>
         <p:nvSpPr>
-          <p:cNvPr id="6" name="Date Placeholder 5"/>
-          <p:cNvSpPr>
-            <a:spLocks noGrp="1"/>
-          </p:cNvSpPr>
-          <p:nvPr>
-            <p:ph type="dt" sz="half" idx="2"/>
-          </p:nvPr>
-        </p:nvSpPr>
-        <p:spPr/>
-        <p:txBody>
-          <a:bodyPr/>
-          <a:lstStyle/>
-          <a:p>
-            <a:r>
-              <a:rPr lang="en-CA" dirty="0"/>
-              <a:t>Winter 2022</a:t>
-            </a:r>
-          </a:p>
-        </p:txBody>
-      </p:sp>
-      <p:sp>
-        <p:nvSpPr>
           <p:cNvPr id="10" name="Footer Placeholder 9"/>
           <p:cNvSpPr>
             <a:spLocks noGrp="1"/>
@@ -19096,7 +18794,7 @@
     </p:spTree>
     <p:extLst>
       <p:ext uri="{BB962C8B-B14F-4D97-AF65-F5344CB8AC3E}">
-        <p14:creationId xmlns:p14="http://schemas.microsoft.com/office/powerpoint/2010/main" val="3023656777"/>
+        <p14:creationId xmlns:p14="http://schemas.microsoft.com/office/powerpoint/2010/main" xmlns="" val="3023656777"/>
       </p:ext>
     </p:extLst>
   </p:cSld>
@@ -19291,28 +18989,6 @@
       </p:sp>
       <p:sp>
         <p:nvSpPr>
-          <p:cNvPr id="6" name="Date Placeholder 5"/>
-          <p:cNvSpPr>
-            <a:spLocks noGrp="1"/>
-          </p:cNvSpPr>
-          <p:nvPr>
-            <p:ph type="dt" sz="half" idx="2"/>
-          </p:nvPr>
-        </p:nvSpPr>
-        <p:spPr/>
-        <p:txBody>
-          <a:bodyPr/>
-          <a:lstStyle/>
-          <a:p>
-            <a:r>
-              <a:rPr lang="en-CA" dirty="0"/>
-              <a:t>Winter 2022</a:t>
-            </a:r>
-          </a:p>
-        </p:txBody>
-      </p:sp>
-      <p:sp>
-        <p:nvSpPr>
           <p:cNvPr id="10" name="Footer Placeholder 9"/>
           <p:cNvSpPr>
             <a:spLocks noGrp="1"/>
@@ -19363,7 +19039,7 @@
     </p:spTree>
     <p:extLst>
       <p:ext uri="{BB962C8B-B14F-4D97-AF65-F5344CB8AC3E}">
-        <p14:creationId xmlns:p14="http://schemas.microsoft.com/office/powerpoint/2010/main" val="1435777542"/>
+        <p14:creationId xmlns:p14="http://schemas.microsoft.com/office/powerpoint/2010/main" xmlns="" val="1435777542"/>
       </p:ext>
     </p:extLst>
   </p:cSld>
@@ -19487,28 +19163,6 @@
       </p:sp>
       <p:sp>
         <p:nvSpPr>
-          <p:cNvPr id="6" name="Date Placeholder 5"/>
-          <p:cNvSpPr>
-            <a:spLocks noGrp="1"/>
-          </p:cNvSpPr>
-          <p:nvPr>
-            <p:ph type="dt" sz="half" idx="2"/>
-          </p:nvPr>
-        </p:nvSpPr>
-        <p:spPr/>
-        <p:txBody>
-          <a:bodyPr/>
-          <a:lstStyle/>
-          <a:p>
-            <a:r>
-              <a:rPr lang="en-CA" dirty="0"/>
-              <a:t>Winter 2022</a:t>
-            </a:r>
-          </a:p>
-        </p:txBody>
-      </p:sp>
-      <p:sp>
-        <p:nvSpPr>
           <p:cNvPr id="10" name="Footer Placeholder 9"/>
           <p:cNvSpPr>
             <a:spLocks noGrp="1"/>
@@ -19559,7 +19213,7 @@
     </p:spTree>
     <p:extLst>
       <p:ext uri="{BB962C8B-B14F-4D97-AF65-F5344CB8AC3E}">
-        <p14:creationId xmlns:p14="http://schemas.microsoft.com/office/powerpoint/2010/main" val="997206608"/>
+        <p14:creationId xmlns:p14="http://schemas.microsoft.com/office/powerpoint/2010/main" xmlns="" val="997206608"/>
       </p:ext>
     </p:extLst>
   </p:cSld>
@@ -19759,28 +19413,6 @@
       </p:sp>
       <p:sp>
         <p:nvSpPr>
-          <p:cNvPr id="6" name="Date Placeholder 5"/>
-          <p:cNvSpPr>
-            <a:spLocks noGrp="1"/>
-          </p:cNvSpPr>
-          <p:nvPr>
-            <p:ph type="dt" sz="half" idx="2"/>
-          </p:nvPr>
-        </p:nvSpPr>
-        <p:spPr/>
-        <p:txBody>
-          <a:bodyPr/>
-          <a:lstStyle/>
-          <a:p>
-            <a:r>
-              <a:rPr lang="en-CA" dirty="0"/>
-              <a:t>Winter 2022</a:t>
-            </a:r>
-          </a:p>
-        </p:txBody>
-      </p:sp>
-      <p:sp>
-        <p:nvSpPr>
           <p:cNvPr id="10" name="Footer Placeholder 9"/>
           <p:cNvSpPr>
             <a:spLocks noGrp="1"/>
@@ -19831,7 +19463,7 @@
     </p:spTree>
     <p:extLst>
       <p:ext uri="{BB962C8B-B14F-4D97-AF65-F5344CB8AC3E}">
-        <p14:creationId xmlns:p14="http://schemas.microsoft.com/office/powerpoint/2010/main" val="1364115844"/>
+        <p14:creationId xmlns:p14="http://schemas.microsoft.com/office/powerpoint/2010/main" xmlns="" val="1364115844"/>
       </p:ext>
     </p:extLst>
   </p:cSld>
@@ -19921,28 +19553,6 @@
       </p:sp>
       <p:sp>
         <p:nvSpPr>
-          <p:cNvPr id="6" name="Date Placeholder 5"/>
-          <p:cNvSpPr>
-            <a:spLocks noGrp="1"/>
-          </p:cNvSpPr>
-          <p:nvPr>
-            <p:ph type="dt" sz="half" idx="2"/>
-          </p:nvPr>
-        </p:nvSpPr>
-        <p:spPr/>
-        <p:txBody>
-          <a:bodyPr/>
-          <a:lstStyle/>
-          <a:p>
-            <a:r>
-              <a:rPr lang="en-CA" dirty="0"/>
-              <a:t>Winter 2022</a:t>
-            </a:r>
-          </a:p>
-        </p:txBody>
-      </p:sp>
-      <p:sp>
-        <p:nvSpPr>
           <p:cNvPr id="10" name="Footer Placeholder 9"/>
           <p:cNvSpPr>
             <a:spLocks noGrp="1"/>
@@ -19995,7 +19605,7 @@
           <p:cNvPr id="13" name="Text Box 4">
             <a:extLst>
               <a:ext uri="{FF2B5EF4-FFF2-40B4-BE49-F238E27FC236}">
-                <a16:creationId xmlns:a16="http://schemas.microsoft.com/office/drawing/2014/main" id="{6E57010B-FACE-4A0F-90C3-1052860AA197}"/>
+                <a16:creationId xmlns:a16="http://schemas.microsoft.com/office/drawing/2014/main" xmlns="" id="{6E57010B-FACE-4A0F-90C3-1052860AA197}"/>
               </a:ext>
             </a:extLst>
           </p:cNvPr>
@@ -20020,7 +19630,7 @@
           </a:ln>
           <a:extLst>
             <a:ext uri="{91240B29-F687-4F45-9708-019B960494DF}">
-              <a14:hiddenLine xmlns:a14="http://schemas.microsoft.com/office/drawing/2010/main" w="9525">
+              <a14:hiddenLine xmlns:a14="http://schemas.microsoft.com/office/drawing/2010/main" xmlns="" w="9525">
                 <a:solidFill>
                   <a:srgbClr val="000000"/>
                 </a:solidFill>
@@ -20497,7 +20107,7 @@
           <p:cNvPr id="14" name="Text Box 5">
             <a:extLst>
               <a:ext uri="{FF2B5EF4-FFF2-40B4-BE49-F238E27FC236}">
-                <a16:creationId xmlns:a16="http://schemas.microsoft.com/office/drawing/2014/main" id="{107C2FAE-71AE-4F02-8064-FF9149E3DC8A}"/>
+                <a16:creationId xmlns:a16="http://schemas.microsoft.com/office/drawing/2014/main" xmlns="" id="{107C2FAE-71AE-4F02-8064-FF9149E3DC8A}"/>
               </a:ext>
             </a:extLst>
           </p:cNvPr>
@@ -20522,7 +20132,7 @@
           </a:ln>
           <a:extLst>
             <a:ext uri="{91240B29-F687-4F45-9708-019B960494DF}">
-              <a14:hiddenLine xmlns:a14="http://schemas.microsoft.com/office/drawing/2010/main" w="9525">
+              <a14:hiddenLine xmlns:a14="http://schemas.microsoft.com/office/drawing/2010/main" xmlns="" w="9525">
                 <a:solidFill>
                   <a:srgbClr val="000000"/>
                 </a:solidFill>
@@ -20686,7 +20296,7 @@
           <p:cNvPr id="15" name="Line 6">
             <a:extLst>
               <a:ext uri="{FF2B5EF4-FFF2-40B4-BE49-F238E27FC236}">
-                <a16:creationId xmlns:a16="http://schemas.microsoft.com/office/drawing/2014/main" id="{D65BFD9F-D8B8-4BA4-8AF0-31871DB51669}"/>
+                <a16:creationId xmlns:a16="http://schemas.microsoft.com/office/drawing/2014/main" xmlns="" id="{D65BFD9F-D8B8-4BA4-8AF0-31871DB51669}"/>
               </a:ext>
             </a:extLst>
           </p:cNvPr>
@@ -20714,7 +20324,7 @@
           </a:ln>
           <a:extLst>
             <a:ext uri="{909E8E84-426E-40DD-AFC4-6F175D3DCCD1}">
-              <a14:hiddenFill xmlns:a14="http://schemas.microsoft.com/office/drawing/2010/main">
+              <a14:hiddenFill xmlns:a14="http://schemas.microsoft.com/office/drawing/2010/main" xmlns="">
                 <a:noFill/>
               </a14:hiddenFill>
             </a:ext>
@@ -20747,7 +20357,7 @@
           <p:cNvPr id="16" name="Line 7">
             <a:extLst>
               <a:ext uri="{FF2B5EF4-FFF2-40B4-BE49-F238E27FC236}">
-                <a16:creationId xmlns:a16="http://schemas.microsoft.com/office/drawing/2014/main" id="{28B8B81D-AC09-4831-9DE8-54859C5F98C9}"/>
+                <a16:creationId xmlns:a16="http://schemas.microsoft.com/office/drawing/2014/main" xmlns="" id="{28B8B81D-AC09-4831-9DE8-54859C5F98C9}"/>
               </a:ext>
             </a:extLst>
           </p:cNvPr>
@@ -20775,7 +20385,7 @@
           </a:ln>
           <a:extLst>
             <a:ext uri="{909E8E84-426E-40DD-AFC4-6F175D3DCCD1}">
-              <a14:hiddenFill xmlns:a14="http://schemas.microsoft.com/office/drawing/2010/main">
+              <a14:hiddenFill xmlns:a14="http://schemas.microsoft.com/office/drawing/2010/main" xmlns="">
                 <a:noFill/>
               </a14:hiddenFill>
             </a:ext>
@@ -20806,7 +20416,7 @@
     </p:spTree>
     <p:extLst>
       <p:ext uri="{BB962C8B-B14F-4D97-AF65-F5344CB8AC3E}">
-        <p14:creationId xmlns:p14="http://schemas.microsoft.com/office/powerpoint/2010/main" val="1068017066"/>
+        <p14:creationId xmlns:p14="http://schemas.microsoft.com/office/powerpoint/2010/main" xmlns="" val="1068017066"/>
       </p:ext>
     </p:extLst>
   </p:cSld>
@@ -20859,7 +20469,7 @@
     </a:clrScheme>
     <a:fontScheme name="Office">
       <a:majorFont>
-        <a:latin typeface="Calibri Light" panose="020F0302020204030204"/>
+        <a:latin typeface="Calibri Light"/>
         <a:ea typeface=""/>
         <a:cs typeface=""/>
         <a:font script="Jpan" typeface="游ゴシック Light"/>
@@ -20911,7 +20521,7 @@
         <a:font script="Tfng" typeface="Ebrima"/>
       </a:majorFont>
       <a:minorFont>
-        <a:latin typeface="Calibri" panose="020F0502020204030204"/>
+        <a:latin typeface="Calibri"/>
         <a:ea typeface=""/>
         <a:cs typeface=""/>
         <a:font script="Jpan" typeface="游ゴシック"/>
@@ -21105,7 +20715,7 @@
   <a:extraClrSchemeLst/>
   <a:extLst>
     <a:ext uri="{05A4C25C-085E-4340-85A3-A5531E510DB2}">
-      <thm15:themeFamily xmlns:thm15="http://schemas.microsoft.com/office/thememl/2012/main" name="eye_tracker_presentation" id="{00ED1D97-A04B-46A0-BB71-88655A6B057F}" vid="{F36189FA-3966-4852-951E-5734674D1C7B}"/>
+      <thm15:themeFamily xmlns:thm15="http://schemas.microsoft.com/office/thememl/2012/main" xmlns="" name="eye_tracker_presentation" id="{00ED1D97-A04B-46A0-BB71-88655A6B057F}" vid="{F36189FA-3966-4852-951E-5734674D1C7B}"/>
     </a:ext>
   </a:extLst>
 </a:theme>
@@ -21154,7 +20764,7 @@
     </a:clrScheme>
     <a:fontScheme name="Office">
       <a:majorFont>
-        <a:latin typeface="Calibri Light" panose="020F0302020204030204"/>
+        <a:latin typeface="Calibri Light"/>
         <a:ea typeface=""/>
         <a:cs typeface=""/>
         <a:font script="Jpan" typeface="游ゴシック Light"/>
@@ -21206,7 +20816,7 @@
         <a:font script="Tfng" typeface="Ebrima"/>
       </a:majorFont>
       <a:minorFont>
-        <a:latin typeface="Calibri" panose="020F0502020204030204"/>
+        <a:latin typeface="Calibri"/>
         <a:ea typeface=""/>
         <a:cs typeface=""/>
         <a:font script="Jpan" typeface="游ゴシック"/>
@@ -21400,7 +21010,7 @@
   <a:extraClrSchemeLst/>
   <a:extLst>
     <a:ext uri="{05A4C25C-085E-4340-85A3-A5531E510DB2}">
-      <thm15:themeFamily xmlns:thm15="http://schemas.microsoft.com/office/thememl/2012/main" name="Office Theme" id="{62F939B6-93AF-4DB8-9C6B-D6C7DFDC589F}" vid="{4A3C46E8-61CC-4603-A589-7422A47A8E4A}"/>
+      <thm15:themeFamily xmlns:thm15="http://schemas.microsoft.com/office/thememl/2012/main" xmlns="" name="Office Theme" id="{62F939B6-93AF-4DB8-9C6B-D6C7DFDC589F}" vid="{4A3C46E8-61CC-4603-A589-7422A47A8E4A}"/>
     </a:ext>
   </a:extLst>
 </a:theme>

--- a/bishops/cs321/resources/CS321_Lecture_13C.pptx
+++ b/bishops/cs321/resources/CS321_Lecture_13C.pptx
@@ -541,14 +541,6 @@
           <a:bodyPr/>
           <a:lstStyle/>
           <a:p>
-            <a:r>
-              <a:rPr lang="en-CA" dirty="0"/>
-              <a:t>Multi-instrument</a:t>
-            </a:r>
-            <a:r>
-              <a:rPr lang="en-CA" baseline="0" dirty="0"/>
-              <a:t> / Multi-instrument Inter-process (minus the)-with Eye Trackers-</a:t>
-            </a:r>
             <a:endParaRPr lang="en-CA" dirty="0"/>
           </a:p>
         </p:txBody>
